--- a/Revisions/05_Modelisation_Bode_Activation_FreinTGV/images/Figures.pptx
+++ b/Revisions/05_Modelisation_Bode_Activation_FreinTGV/images/Figures.pptx
@@ -18,6 +18,7 @@
     <p:sldId id="259" r:id="rId12"/>
     <p:sldId id="258" r:id="rId13"/>
     <p:sldId id="263" r:id="rId14"/>
+    <p:sldId id="270" r:id="rId15"/>
   </p:sldIdLst>
   <p:sldSz cx="9144000" cy="6858000" type="screen4x3"/>
   <p:notesSz cx="6858000" cy="9144000"/>
@@ -118,7 +119,7 @@
   </p:defaultTextStyle>
   <p:extLst>
     <p:ext uri="{EFAFB233-063F-42B5-8137-9DF3F51BA10A}">
-      <p15:sldGuideLst xmlns:p15="http://schemas.microsoft.com/office/powerpoint/2012/main">
+      <p15:sldGuideLst xmlns="" xmlns:p15="http://schemas.microsoft.com/office/powerpoint/2012/main">
         <p15:guide id="1" orient="horz" pos="2160">
           <p15:clr>
             <a:srgbClr val="A4A3A4"/>
@@ -316,7 +317,7 @@
           <a:p>
             <a:fld id="{AA309A6D-C09C-4548-B29A-6CF363A7E532}" type="datetimeFigureOut">
               <a:rPr lang="fr-FR" smtClean="0"/>
-              <a:t>26/07/2018</a:t>
+              <a:t>06/09/2018</a:t>
             </a:fld>
             <a:endParaRPr lang="fr-BE"/>
           </a:p>
@@ -481,7 +482,7 @@
           <a:p>
             <a:fld id="{AA309A6D-C09C-4548-B29A-6CF363A7E532}" type="datetimeFigureOut">
               <a:rPr lang="fr-FR" smtClean="0"/>
-              <a:t>26/07/2018</a:t>
+              <a:t>06/09/2018</a:t>
             </a:fld>
             <a:endParaRPr lang="fr-BE"/>
           </a:p>
@@ -656,7 +657,7 @@
           <a:p>
             <a:fld id="{AA309A6D-C09C-4548-B29A-6CF363A7E532}" type="datetimeFigureOut">
               <a:rPr lang="fr-FR" smtClean="0"/>
-              <a:t>26/07/2018</a:t>
+              <a:t>06/09/2018</a:t>
             </a:fld>
             <a:endParaRPr lang="fr-BE"/>
           </a:p>
@@ -821,7 +822,7 @@
           <a:p>
             <a:fld id="{AA309A6D-C09C-4548-B29A-6CF363A7E532}" type="datetimeFigureOut">
               <a:rPr lang="fr-FR" smtClean="0"/>
-              <a:t>26/07/2018</a:t>
+              <a:t>06/09/2018</a:t>
             </a:fld>
             <a:endParaRPr lang="fr-BE"/>
           </a:p>
@@ -1062,7 +1063,7 @@
           <a:p>
             <a:fld id="{AA309A6D-C09C-4548-B29A-6CF363A7E532}" type="datetimeFigureOut">
               <a:rPr lang="fr-FR" smtClean="0"/>
-              <a:t>26/07/2018</a:t>
+              <a:t>06/09/2018</a:t>
             </a:fld>
             <a:endParaRPr lang="fr-BE"/>
           </a:p>
@@ -1345,7 +1346,7 @@
           <a:p>
             <a:fld id="{AA309A6D-C09C-4548-B29A-6CF363A7E532}" type="datetimeFigureOut">
               <a:rPr lang="fr-FR" smtClean="0"/>
-              <a:t>26/07/2018</a:t>
+              <a:t>06/09/2018</a:t>
             </a:fld>
             <a:endParaRPr lang="fr-BE"/>
           </a:p>
@@ -1762,7 +1763,7 @@
           <a:p>
             <a:fld id="{AA309A6D-C09C-4548-B29A-6CF363A7E532}" type="datetimeFigureOut">
               <a:rPr lang="fr-FR" smtClean="0"/>
-              <a:t>26/07/2018</a:t>
+              <a:t>06/09/2018</a:t>
             </a:fld>
             <a:endParaRPr lang="fr-BE"/>
           </a:p>
@@ -1875,7 +1876,7 @@
           <a:p>
             <a:fld id="{AA309A6D-C09C-4548-B29A-6CF363A7E532}" type="datetimeFigureOut">
               <a:rPr lang="fr-FR" smtClean="0"/>
-              <a:t>26/07/2018</a:t>
+              <a:t>06/09/2018</a:t>
             </a:fld>
             <a:endParaRPr lang="fr-BE"/>
           </a:p>
@@ -1965,7 +1966,7 @@
           <a:p>
             <a:fld id="{AA309A6D-C09C-4548-B29A-6CF363A7E532}" type="datetimeFigureOut">
               <a:rPr lang="fr-FR" smtClean="0"/>
-              <a:t>26/07/2018</a:t>
+              <a:t>06/09/2018</a:t>
             </a:fld>
             <a:endParaRPr lang="fr-BE"/>
           </a:p>
@@ -2237,7 +2238,7 @@
           <a:p>
             <a:fld id="{AA309A6D-C09C-4548-B29A-6CF363A7E532}" type="datetimeFigureOut">
               <a:rPr lang="fr-FR" smtClean="0"/>
-              <a:t>26/07/2018</a:t>
+              <a:t>06/09/2018</a:t>
             </a:fld>
             <a:endParaRPr lang="fr-BE"/>
           </a:p>
@@ -2485,7 +2486,7 @@
           <a:p>
             <a:fld id="{AA309A6D-C09C-4548-B29A-6CF363A7E532}" type="datetimeFigureOut">
               <a:rPr lang="fr-FR" smtClean="0"/>
-              <a:t>26/07/2018</a:t>
+              <a:t>06/09/2018</a:t>
             </a:fld>
             <a:endParaRPr lang="fr-BE"/>
           </a:p>
@@ -2693,7 +2694,7 @@
           <a:p>
             <a:fld id="{AA309A6D-C09C-4548-B29A-6CF363A7E532}" type="datetimeFigureOut">
               <a:rPr lang="fr-FR" smtClean="0"/>
-              <a:t>26/07/2018</a:t>
+              <a:t>06/09/2018</a:t>
             </a:fld>
             <a:endParaRPr lang="fr-BE"/>
           </a:p>
@@ -3063,14 +3064,14 @@
           <a:chExt cx="0" cy="0"/>
         </a:xfrm>
       </p:grpSpPr>
-      <mc:AlternateContent xmlns:mc="http://schemas.openxmlformats.org/markup-compatibility/2006">
-        <mc:Choice xmlns:a14="http://schemas.microsoft.com/office/drawing/2010/main" Requires="a14">
+      <mc:AlternateContent xmlns:mc="http://schemas.openxmlformats.org/markup-compatibility/2006" xmlns:a14="http://schemas.microsoft.com/office/drawing/2010/main">
+        <mc:Choice Requires="a14">
           <p:graphicFrame>
             <p:nvGraphicFramePr>
               <p:cNvPr id="4" name="Tableau 3">
                 <a:extLst>
                   <a:ext uri="{FF2B5EF4-FFF2-40B4-BE49-F238E27FC236}">
-                    <a16:creationId xmlns:a16="http://schemas.microsoft.com/office/drawing/2014/main" id="{1BD470E8-59A6-4687-80FE-CC6BE27270B2}"/>
+                    <a16:creationId xmlns="" xmlns:a16="http://schemas.microsoft.com/office/drawing/2014/main" id="{1BD470E8-59A6-4687-80FE-CC6BE27270B2}"/>
                   </a:ext>
                 </a:extLst>
               </p:cNvPr>
@@ -3099,49 +3100,49 @@
                     <a:gridCol w="1944216">
                       <a:extLst>
                         <a:ext uri="{9D8B030D-6E8A-4147-A177-3AD203B41FA5}">
-                          <a16:colId xmlns:a16="http://schemas.microsoft.com/office/drawing/2014/main" val="623007090"/>
+                          <a16:colId xmlns="" xmlns:a16="http://schemas.microsoft.com/office/drawing/2014/main" val="623007090"/>
                         </a:ext>
                       </a:extLst>
                     </a:gridCol>
                     <a:gridCol w="1440160">
                       <a:extLst>
                         <a:ext uri="{9D8B030D-6E8A-4147-A177-3AD203B41FA5}">
-                          <a16:colId xmlns:a16="http://schemas.microsoft.com/office/drawing/2014/main" val="475090896"/>
+                          <a16:colId xmlns="" xmlns:a16="http://schemas.microsoft.com/office/drawing/2014/main" val="475090896"/>
                         </a:ext>
                       </a:extLst>
                     </a:gridCol>
                     <a:gridCol w="954108">
                       <a:extLst>
                         <a:ext uri="{9D8B030D-6E8A-4147-A177-3AD203B41FA5}">
-                          <a16:colId xmlns:a16="http://schemas.microsoft.com/office/drawing/2014/main" val="3669942029"/>
+                          <a16:colId xmlns="" xmlns:a16="http://schemas.microsoft.com/office/drawing/2014/main" val="3669942029"/>
                         </a:ext>
                       </a:extLst>
                     </a:gridCol>
                     <a:gridCol w="954108">
                       <a:extLst>
                         <a:ext uri="{9D8B030D-6E8A-4147-A177-3AD203B41FA5}">
-                          <a16:colId xmlns:a16="http://schemas.microsoft.com/office/drawing/2014/main" val="35856690"/>
+                          <a16:colId xmlns="" xmlns:a16="http://schemas.microsoft.com/office/drawing/2014/main" val="35856690"/>
                         </a:ext>
                       </a:extLst>
                     </a:gridCol>
                     <a:gridCol w="1116125">
                       <a:extLst>
                         <a:ext uri="{9D8B030D-6E8A-4147-A177-3AD203B41FA5}">
-                          <a16:colId xmlns:a16="http://schemas.microsoft.com/office/drawing/2014/main" val="2848798506"/>
+                          <a16:colId xmlns="" xmlns:a16="http://schemas.microsoft.com/office/drawing/2014/main" val="2848798506"/>
                         </a:ext>
                       </a:extLst>
                     </a:gridCol>
                     <a:gridCol w="1116125">
                       <a:extLst>
                         <a:ext uri="{9D8B030D-6E8A-4147-A177-3AD203B41FA5}">
-                          <a16:colId xmlns:a16="http://schemas.microsoft.com/office/drawing/2014/main" val="4065441393"/>
+                          <a16:colId xmlns="" xmlns:a16="http://schemas.microsoft.com/office/drawing/2014/main" val="4065441393"/>
                         </a:ext>
                       </a:extLst>
                     </a:gridCol>
                     <a:gridCol w="1116125">
                       <a:extLst>
                         <a:ext uri="{9D8B030D-6E8A-4147-A177-3AD203B41FA5}">
-                          <a16:colId xmlns:a16="http://schemas.microsoft.com/office/drawing/2014/main" val="2467456757"/>
+                          <a16:colId xmlns="" xmlns:a16="http://schemas.microsoft.com/office/drawing/2014/main" val="2467456757"/>
                         </a:ext>
                       </a:extLst>
                     </a:gridCol>
@@ -3309,6 +3310,7 @@
                         <a:bodyPr/>
                         <a:lstStyle/>
                         <a:p>
+                          <a:pPr/>
                           <a14:m>
                             <m:oMathPara xmlns:m="http://schemas.openxmlformats.org/officeDocument/2006/math">
                               <m:oMathParaPr>
@@ -3739,7 +3741,7 @@
                     </a:tc>
                     <a:extLst>
                       <a:ext uri="{0D108BD9-81ED-4DB2-BD59-A6C34878D82A}">
-                        <a16:rowId xmlns:a16="http://schemas.microsoft.com/office/drawing/2014/main" val="59437559"/>
+                        <a16:rowId xmlns="" xmlns:a16="http://schemas.microsoft.com/office/drawing/2014/main" val="59437559"/>
                       </a:ext>
                     </a:extLst>
                   </a:tr>
@@ -3749,6 +3751,7 @@
                         <a:bodyPr/>
                         <a:lstStyle/>
                         <a:p>
+                          <a:pPr/>
                           <a14:m>
                             <m:oMathPara xmlns:m="http://schemas.openxmlformats.org/officeDocument/2006/math">
                               <m:oMathParaPr>
@@ -3762,7 +3765,7 @@
                                         <a:solidFill>
                                           <a:schemeClr val="tx1"/>
                                         </a:solidFill>
-                                        <a:latin typeface="Cambria Math" panose="02040503050406030204" pitchFamily="18" charset="0"/>
+                                        <a:latin typeface="Cambria Math"/>
                                       </a:rPr>
                                     </m:ctrlPr>
                                   </m:sSubPr>
@@ -3776,7 +3779,7 @@
                                             <a:solidFill>
                                               <a:schemeClr val="tx1"/>
                                             </a:solidFill>
-                                            <a:latin typeface="Cambria Math" panose="02040503050406030204" pitchFamily="18" charset="0"/>
+                                            <a:latin typeface="Cambria Math"/>
                                           </a:rPr>
                                         </m:ctrlPr>
                                       </m:dPr>
@@ -3788,7 +3791,7 @@
                                                 <a:solidFill>
                                                   <a:schemeClr val="tx1"/>
                                                 </a:solidFill>
-                                                <a:latin typeface="Cambria Math" panose="02040503050406030204" pitchFamily="18" charset="0"/>
+                                                <a:latin typeface="Cambria Math"/>
                                               </a:rPr>
                                             </m:ctrlPr>
                                           </m:sSubPr>
@@ -3822,7 +3825,7 @@
                                                 <a:solidFill>
                                                   <a:schemeClr val="tx1"/>
                                                 </a:solidFill>
-                                                <a:latin typeface="Cambria Math" panose="02040503050406030204" pitchFamily="18" charset="0"/>
+                                                <a:latin typeface="Cambria Math"/>
                                               </a:rPr>
                                             </m:ctrlPr>
                                           </m:dPr>
@@ -3925,6 +3928,7 @@
                         <a:bodyPr/>
                         <a:lstStyle/>
                         <a:p>
+                          <a:pPr/>
                           <a14:m>
                             <m:oMathPara xmlns:m="http://schemas.openxmlformats.org/officeDocument/2006/math">
                               <m:oMathParaPr>
@@ -3947,7 +3951,7 @@
                                         <a:solidFill>
                                           <a:schemeClr val="tx1"/>
                                         </a:solidFill>
-                                        <a:latin typeface="Cambria Math" panose="02040503050406030204" pitchFamily="18" charset="0"/>
+                                        <a:latin typeface="Cambria Math"/>
                                       </a:rPr>
                                     </m:ctrlPr>
                                   </m:funcPr>
@@ -4100,6 +4104,7 @@
                         <a:bodyPr/>
                         <a:lstStyle/>
                         <a:p>
+                          <a:pPr/>
                           <a14:m>
                             <m:oMathPara xmlns:m="http://schemas.openxmlformats.org/officeDocument/2006/math">
                               <m:oMathParaPr>
@@ -4123,7 +4128,7 @@
                                         <a:solidFill>
                                           <a:schemeClr val="tx1"/>
                                         </a:solidFill>
-                                        <a:latin typeface="Cambria Math" panose="02040503050406030204" pitchFamily="18" charset="0"/>
+                                        <a:latin typeface="Cambria Math"/>
                                       </a:rPr>
                                     </m:ctrlPr>
                                   </m:fPr>
@@ -4313,7 +4318,7 @@
                                         <a:solidFill>
                                           <a:schemeClr val="tx1"/>
                                         </a:solidFill>
-                                        <a:latin typeface="Cambria Math" panose="02040503050406030204" pitchFamily="18" charset="0"/>
+                                        <a:latin typeface="Cambria Math"/>
                                       </a:rPr>
                                     </m:ctrlPr>
                                   </m:fPr>
@@ -4460,7 +4465,7 @@
                     </a:tc>
                     <a:extLst>
                       <a:ext uri="{0D108BD9-81ED-4DB2-BD59-A6C34878D82A}">
-                        <a16:rowId xmlns:a16="http://schemas.microsoft.com/office/drawing/2014/main" val="877570779"/>
+                        <a16:rowId xmlns="" xmlns:a16="http://schemas.microsoft.com/office/drawing/2014/main" val="877570779"/>
                       </a:ext>
                     </a:extLst>
                   </a:tr>
@@ -4500,7 +4505,7 @@
                                         <a:solidFill>
                                           <a:schemeClr val="tx1"/>
                                         </a:solidFill>
-                                        <a:latin typeface="Cambria Math" panose="02040503050406030204" pitchFamily="18" charset="0"/>
+                                        <a:latin typeface="Cambria Math"/>
                                       </a:rPr>
                                     </m:ctrlPr>
                                   </m:sSubPr>
@@ -4514,7 +4519,7 @@
                                             <a:solidFill>
                                               <a:schemeClr val="tx1"/>
                                             </a:solidFill>
-                                            <a:latin typeface="Cambria Math" panose="02040503050406030204" pitchFamily="18" charset="0"/>
+                                            <a:latin typeface="Cambria Math"/>
                                           </a:rPr>
                                         </m:ctrlPr>
                                       </m:dPr>
@@ -4526,7 +4531,7 @@
                                                 <a:solidFill>
                                                   <a:schemeClr val="tx1"/>
                                                 </a:solidFill>
-                                                <a:latin typeface="Cambria Math" panose="02040503050406030204" pitchFamily="18" charset="0"/>
+                                                <a:latin typeface="Cambria Math"/>
                                               </a:rPr>
                                             </m:ctrlPr>
                                           </m:sSubPr>
@@ -4560,7 +4565,7 @@
                                                 <a:solidFill>
                                                   <a:schemeClr val="tx1"/>
                                                 </a:solidFill>
-                                                <a:latin typeface="Cambria Math" panose="02040503050406030204" pitchFamily="18" charset="0"/>
+                                                <a:latin typeface="Cambria Math"/>
                                               </a:rPr>
                                             </m:ctrlPr>
                                           </m:dPr>
@@ -4663,6 +4668,7 @@
                         <a:bodyPr/>
                         <a:lstStyle/>
                         <a:p>
+                          <a:pPr/>
                           <a14:m>
                             <m:oMathPara xmlns:m="http://schemas.openxmlformats.org/officeDocument/2006/math">
                               <m:oMathParaPr>
@@ -4676,7 +4682,7 @@
                                     </a:solidFill>
                                     <a:latin typeface="Cambria Math" panose="02040503050406030204" pitchFamily="18" charset="0"/>
                                   </a:rPr>
-                                  <m:t>-20</m:t>
+                                  <m:t>−20</m:t>
                                 </m:r>
                                 <m:f>
                                   <m:fPr>
@@ -4686,7 +4692,7 @@
                                         <a:solidFill>
                                           <a:schemeClr val="tx1"/>
                                         </a:solidFill>
-                                        <a:latin typeface="Cambria Math" panose="02040503050406030204" pitchFamily="18" charset="0"/>
+                                        <a:latin typeface="Cambria Math"/>
                                       </a:rPr>
                                     </m:ctrlPr>
                                   </m:fPr>
@@ -4876,7 +4882,7 @@
                                         <a:solidFill>
                                           <a:schemeClr val="tx1"/>
                                         </a:solidFill>
-                                        <a:latin typeface="Cambria Math" panose="02040503050406030204" pitchFamily="18" charset="0"/>
+                                        <a:latin typeface="Cambria Math"/>
                                       </a:rPr>
                                     </m:ctrlPr>
                                   </m:fPr>
@@ -5066,7 +5072,7 @@
                                         <a:solidFill>
                                           <a:schemeClr val="tx1"/>
                                         </a:solidFill>
-                                        <a:latin typeface="Cambria Math" panose="02040503050406030204" pitchFamily="18" charset="0"/>
+                                        <a:latin typeface="Cambria Math"/>
                                       </a:rPr>
                                     </m:ctrlPr>
                                   </m:fPr>
@@ -5213,7 +5219,7 @@
                     </a:tc>
                     <a:extLst>
                       <a:ext uri="{0D108BD9-81ED-4DB2-BD59-A6C34878D82A}">
-                        <a16:rowId xmlns:a16="http://schemas.microsoft.com/office/drawing/2014/main" val="2325004080"/>
+                        <a16:rowId xmlns="" xmlns:a16="http://schemas.microsoft.com/office/drawing/2014/main" val="2325004080"/>
                       </a:ext>
                     </a:extLst>
                   </a:tr>
@@ -5253,7 +5259,7 @@
                                         <a:solidFill>
                                           <a:schemeClr val="tx1"/>
                                         </a:solidFill>
-                                        <a:latin typeface="Cambria Math" panose="02040503050406030204" pitchFamily="18" charset="0"/>
+                                        <a:latin typeface="Cambria Math"/>
                                       </a:rPr>
                                     </m:ctrlPr>
                                   </m:sSubPr>
@@ -5267,7 +5273,7 @@
                                             <a:solidFill>
                                               <a:schemeClr val="tx1"/>
                                             </a:solidFill>
-                                            <a:latin typeface="Cambria Math" panose="02040503050406030204" pitchFamily="18" charset="0"/>
+                                            <a:latin typeface="Cambria Math"/>
                                           </a:rPr>
                                         </m:ctrlPr>
                                       </m:dPr>
@@ -5288,7 +5294,7 @@
                                                 <a:solidFill>
                                                   <a:schemeClr val="tx1"/>
                                                 </a:solidFill>
-                                                <a:latin typeface="Cambria Math" panose="02040503050406030204" pitchFamily="18" charset="0"/>
+                                                <a:latin typeface="Cambria Math"/>
                                               </a:rPr>
                                             </m:ctrlPr>
                                           </m:dPr>
@@ -5391,6 +5397,7 @@
                         <a:bodyPr/>
                         <a:lstStyle/>
                         <a:p>
+                          <a:pPr/>
                           <a14:m>
                             <m:oMathPara xmlns:m="http://schemas.openxmlformats.org/officeDocument/2006/math">
                               <m:oMathParaPr>
@@ -5529,6 +5536,7 @@
                         <a:bodyPr/>
                         <a:lstStyle/>
                         <a:p>
+                          <a:pPr/>
                           <a14:m>
                             <m:oMathPara xmlns:m="http://schemas.openxmlformats.org/officeDocument/2006/math">
                               <m:oMathParaPr>
@@ -5707,7 +5715,7 @@
                                         <a:solidFill>
                                           <a:schemeClr val="tx1"/>
                                         </a:solidFill>
-                                        <a:latin typeface="Cambria Math" panose="02040503050406030204" pitchFamily="18" charset="0"/>
+                                        <a:latin typeface="Cambria Math"/>
                                       </a:rPr>
                                     </m:ctrlPr>
                                   </m:fPr>
@@ -5854,7 +5862,7 @@
                     </a:tc>
                     <a:extLst>
                       <a:ext uri="{0D108BD9-81ED-4DB2-BD59-A6C34878D82A}">
-                        <a16:rowId xmlns:a16="http://schemas.microsoft.com/office/drawing/2014/main" val="921033610"/>
+                        <a16:rowId xmlns="" xmlns:a16="http://schemas.microsoft.com/office/drawing/2014/main" val="921033610"/>
                       </a:ext>
                     </a:extLst>
                   </a:tr>
@@ -5894,7 +5902,7 @@
                                         <a:solidFill>
                                           <a:schemeClr val="tx1"/>
                                         </a:solidFill>
-                                        <a:latin typeface="Cambria Math" panose="02040503050406030204" pitchFamily="18" charset="0"/>
+                                        <a:latin typeface="Cambria Math"/>
                                       </a:rPr>
                                     </m:ctrlPr>
                                   </m:sSubPr>
@@ -5908,7 +5916,7 @@
                                             <a:solidFill>
                                               <a:schemeClr val="tx1"/>
                                             </a:solidFill>
-                                            <a:latin typeface="Cambria Math" panose="02040503050406030204" pitchFamily="18" charset="0"/>
+                                            <a:latin typeface="Cambria Math"/>
                                           </a:rPr>
                                         </m:ctrlPr>
                                       </m:dPr>
@@ -5929,7 +5937,7 @@
                                                 <a:solidFill>
                                                   <a:schemeClr val="tx1"/>
                                                 </a:solidFill>
-                                                <a:latin typeface="Cambria Math" panose="02040503050406030204" pitchFamily="18" charset="0"/>
+                                                <a:latin typeface="Cambria Math"/>
                                               </a:rPr>
                                             </m:ctrlPr>
                                           </m:dPr>
@@ -6062,7 +6070,7 @@
                                     </a:solidFill>
                                     <a:latin typeface="Cambria Math" panose="02040503050406030204" pitchFamily="18" charset="0"/>
                                   </a:rPr>
-                                  <m:t>-</m:t>
+                                  <m:t>−</m:t>
                                 </m:r>
                                 <m:r>
                                   <a:rPr lang="fr-FR" b="1" i="1" smtClean="0">
@@ -6081,7 +6089,7 @@
                                         <a:solidFill>
                                           <a:schemeClr val="tx1"/>
                                         </a:solidFill>
-                                        <a:latin typeface="Cambria Math" panose="02040503050406030204" pitchFamily="18" charset="0"/>
+                                        <a:latin typeface="Cambria Math"/>
                                       </a:rPr>
                                     </m:ctrlPr>
                                   </m:fPr>
@@ -6231,6 +6239,7 @@
                         <a:bodyPr/>
                         <a:lstStyle/>
                         <a:p>
+                          <a:pPr/>
                           <a14:m>
                             <m:oMathPara xmlns:m="http://schemas.openxmlformats.org/officeDocument/2006/math">
                               <m:oMathParaPr>
@@ -6263,7 +6272,7 @@
                                         <a:solidFill>
                                           <a:schemeClr val="tx1"/>
                                         </a:solidFill>
-                                        <a:latin typeface="Cambria Math" panose="02040503050406030204" pitchFamily="18" charset="0"/>
+                                        <a:latin typeface="Cambria Math"/>
                                       </a:rPr>
                                     </m:ctrlPr>
                                   </m:fPr>
@@ -6413,6 +6422,7 @@
                         <a:bodyPr/>
                         <a:lstStyle/>
                         <a:p>
+                          <a:pPr/>
                           <a14:m>
                             <m:oMathPara xmlns:m="http://schemas.openxmlformats.org/officeDocument/2006/math">
                               <m:oMathParaPr>
@@ -6445,7 +6455,7 @@
                                         <a:solidFill>
                                           <a:schemeClr val="tx1"/>
                                         </a:solidFill>
-                                        <a:latin typeface="Cambria Math" panose="02040503050406030204" pitchFamily="18" charset="0"/>
+                                        <a:latin typeface="Cambria Math"/>
                                       </a:rPr>
                                     </m:ctrlPr>
                                   </m:fPr>
@@ -6592,7 +6602,7 @@
                     </a:tc>
                     <a:extLst>
                       <a:ext uri="{0D108BD9-81ED-4DB2-BD59-A6C34878D82A}">
-                        <a16:rowId xmlns:a16="http://schemas.microsoft.com/office/drawing/2014/main" val="3091309683"/>
+                        <a16:rowId xmlns="" xmlns:a16="http://schemas.microsoft.com/office/drawing/2014/main" val="3091309683"/>
                       </a:ext>
                     </a:extLst>
                   </a:tr>
@@ -6641,7 +6651,7 @@
                                         <a:solidFill>
                                           <a:schemeClr val="tx1"/>
                                         </a:solidFill>
-                                        <a:latin typeface="Cambria Math" panose="02040503050406030204" pitchFamily="18" charset="0"/>
+                                        <a:latin typeface="Cambria Math"/>
                                       </a:rPr>
                                     </m:ctrlPr>
                                   </m:dPr>
@@ -6662,7 +6672,7 @@
                                             <a:solidFill>
                                               <a:schemeClr val="tx1"/>
                                             </a:solidFill>
-                                            <a:latin typeface="Cambria Math" panose="02040503050406030204" pitchFamily="18" charset="0"/>
+                                            <a:latin typeface="Cambria Math"/>
                                           </a:rPr>
                                         </m:ctrlPr>
                                       </m:dPr>
@@ -6752,6 +6762,7 @@
                         <a:bodyPr/>
                         <a:lstStyle/>
                         <a:p>
+                          <a:pPr/>
                           <a14:m>
                             <m:oMathPara xmlns:m="http://schemas.openxmlformats.org/officeDocument/2006/math">
                               <m:oMathParaPr>
@@ -7081,6 +7092,7 @@
                         <a:bodyPr/>
                         <a:lstStyle/>
                         <a:p>
+                          <a:pPr/>
                           <a14:m>
                             <m:oMathPara xmlns:m="http://schemas.openxmlformats.org/officeDocument/2006/math">
                               <m:oMathParaPr>
@@ -7234,7 +7246,7 @@
                     </a:tc>
                     <a:extLst>
                       <a:ext uri="{0D108BD9-81ED-4DB2-BD59-A6C34878D82A}">
-                        <a16:rowId xmlns:a16="http://schemas.microsoft.com/office/drawing/2014/main" val="3040712947"/>
+                        <a16:rowId xmlns="" xmlns:a16="http://schemas.microsoft.com/office/drawing/2014/main" val="3040712947"/>
                       </a:ext>
                     </a:extLst>
                   </a:tr>
@@ -7243,7 +7255,7 @@
             </a:graphic>
           </p:graphicFrame>
         </mc:Choice>
-        <mc:Fallback>
+        <mc:Fallback xmlns="">
           <p:graphicFrame>
             <p:nvGraphicFramePr>
               <p:cNvPr id="4" name="Tableau 3">
@@ -10965,7 +10977,7 @@
                               <a:solidFill>
                                 <a:sysClr val="windowText" lastClr="000000"/>
                               </a:solidFill>
-                              <a:latin typeface="Cambria Math" panose="02040503050406030204" pitchFamily="18" charset="0"/>
+                              <a:latin typeface="Cambria Math"/>
                             </a:rPr>
                           </m:ctrlPr>
                         </m:fPr>
@@ -12569,7 +12581,7 @@
                       <m:dPr>
                         <m:ctrlPr>
                           <a:rPr lang="fr-FR" sz="1100" b="0" i="1" smtClean="0">
-                            <a:latin typeface="Cambria Math" panose="02040503050406030204" pitchFamily="18" charset="0"/>
+                            <a:latin typeface="Cambria Math"/>
                           </a:rPr>
                         </m:ctrlPr>
                       </m:dPr>
@@ -12591,7 +12603,7 @@
                             <m:chr m:val="⃗"/>
                             <m:ctrlPr>
                               <a:rPr lang="fr-FR" sz="1100" b="0" i="1" smtClean="0">
-                                <a:latin typeface="Cambria Math" panose="02040503050406030204" pitchFamily="18" charset="0"/>
+                                <a:latin typeface="Cambria Math"/>
                               </a:rPr>
                             </m:ctrlPr>
                           </m:accPr>
@@ -12600,7 +12612,7 @@
                               <m:sSubPr>
                                 <m:ctrlPr>
                                   <a:rPr lang="fr-FR" sz="1100" b="0" i="1" smtClean="0">
-                                    <a:latin typeface="Cambria Math" panose="02040503050406030204" pitchFamily="18" charset="0"/>
+                                    <a:latin typeface="Cambria Math"/>
                                   </a:rPr>
                                 </m:ctrlPr>
                               </m:sSubPr>
@@ -12705,7 +12717,7 @@
                       <m:dPr>
                         <m:ctrlPr>
                           <a:rPr lang="fr-FR" sz="1100" b="0" i="1" smtClean="0">
-                            <a:latin typeface="Cambria Math" panose="02040503050406030204" pitchFamily="18" charset="0"/>
+                            <a:latin typeface="Cambria Math"/>
                           </a:rPr>
                         </m:ctrlPr>
                       </m:dPr>
@@ -12727,7 +12739,7 @@
                             <m:chr m:val="⃗"/>
                             <m:ctrlPr>
                               <a:rPr lang="fr-FR" sz="1100" b="0" i="1" smtClean="0">
-                                <a:latin typeface="Cambria Math" panose="02040503050406030204" pitchFamily="18" charset="0"/>
+                                <a:latin typeface="Cambria Math"/>
                               </a:rPr>
                             </m:ctrlPr>
                           </m:accPr>
@@ -12736,7 +12748,7 @@
                               <m:sSubPr>
                                 <m:ctrlPr>
                                   <a:rPr lang="fr-FR" sz="1100" b="0" i="1" smtClean="0">
-                                    <a:latin typeface="Cambria Math" panose="02040503050406030204" pitchFamily="18" charset="0"/>
+                                    <a:latin typeface="Cambria Math"/>
                                   </a:rPr>
                                 </m:ctrlPr>
                               </m:sSubPr>
@@ -12841,7 +12853,7 @@
                       <m:dPr>
                         <m:ctrlPr>
                           <a:rPr lang="fr-FR" sz="1100" b="0" i="1" smtClean="0">
-                            <a:latin typeface="Cambria Math" panose="02040503050406030204" pitchFamily="18" charset="0"/>
+                            <a:latin typeface="Cambria Math"/>
                           </a:rPr>
                         </m:ctrlPr>
                       </m:dPr>
@@ -12863,7 +12875,7 @@
                             <m:chr m:val="⃗"/>
                             <m:ctrlPr>
                               <a:rPr lang="fr-FR" sz="1100" b="0" i="1" smtClean="0">
-                                <a:latin typeface="Cambria Math" panose="02040503050406030204" pitchFamily="18" charset="0"/>
+                                <a:latin typeface="Cambria Math"/>
                               </a:rPr>
                             </m:ctrlPr>
                           </m:accPr>
@@ -12872,7 +12884,7 @@
                               <m:sSubPr>
                                 <m:ctrlPr>
                                   <a:rPr lang="fr-FR" sz="1100" b="0" i="1" smtClean="0">
-                                    <a:latin typeface="Cambria Math" panose="02040503050406030204" pitchFamily="18" charset="0"/>
+                                    <a:latin typeface="Cambria Math"/>
                                   </a:rPr>
                                 </m:ctrlPr>
                               </m:sSubPr>
@@ -12977,7 +12989,7 @@
                       <m:dPr>
                         <m:ctrlPr>
                           <a:rPr lang="fr-FR" sz="1100" b="0" i="1" smtClean="0">
-                            <a:latin typeface="Cambria Math" panose="02040503050406030204" pitchFamily="18" charset="0"/>
+                            <a:latin typeface="Cambria Math"/>
                           </a:rPr>
                         </m:ctrlPr>
                       </m:dPr>
@@ -12999,7 +13011,7 @@
                             <m:chr m:val="⃗"/>
                             <m:ctrlPr>
                               <a:rPr lang="fr-FR" sz="1100" b="0" i="1" smtClean="0">
-                                <a:latin typeface="Cambria Math" panose="02040503050406030204" pitchFamily="18" charset="0"/>
+                                <a:latin typeface="Cambria Math"/>
                               </a:rPr>
                             </m:ctrlPr>
                           </m:accPr>
@@ -13008,7 +13020,7 @@
                               <m:sSubPr>
                                 <m:ctrlPr>
                                   <a:rPr lang="fr-FR" sz="1100" b="0" i="1" smtClean="0">
-                                    <a:latin typeface="Cambria Math" panose="02040503050406030204" pitchFamily="18" charset="0"/>
+                                    <a:latin typeface="Cambria Math"/>
                                   </a:rPr>
                                 </m:ctrlPr>
                               </m:sSubPr>
@@ -13114,7 +13126,7 @@
                         <m:sSubPr>
                           <m:ctrlPr>
                             <a:rPr lang="fr-FR" sz="1400" b="0" i="1" smtClean="0">
-                              <a:latin typeface="Cambria Math" panose="02040503050406030204" pitchFamily="18" charset="0"/>
+                              <a:latin typeface="Cambria Math"/>
                             </a:rPr>
                           </m:ctrlPr>
                         </m:sSubPr>
@@ -13125,7 +13137,7 @@
                               <m:endChr m:val="}"/>
                               <m:ctrlPr>
                                 <a:rPr lang="fr-FR" sz="1400" b="0" i="1" smtClean="0">
-                                  <a:latin typeface="Cambria Math" panose="02040503050406030204" pitchFamily="18" charset="0"/>
+                                  <a:latin typeface="Cambria Math"/>
                                 </a:rPr>
                               </m:ctrlPr>
                             </m:dPr>
@@ -13141,7 +13153,7 @@
                                 <m:dPr>
                                   <m:ctrlPr>
                                     <a:rPr lang="fr-FR" sz="1400" b="0" i="1" smtClean="0">
-                                      <a:latin typeface="Cambria Math" panose="02040503050406030204" pitchFamily="18" charset="0"/>
+                                      <a:latin typeface="Cambria Math"/>
                                       <a:ea typeface="Cambria Math"/>
                                     </a:rPr>
                                   </m:ctrlPr>
@@ -13178,7 +13190,7 @@
                               <m:endChr m:val="}"/>
                               <m:ctrlPr>
                                 <a:rPr lang="fr-FR" sz="1400" b="0" i="1" smtClean="0">
-                                  <a:latin typeface="Cambria Math" panose="02040503050406030204" pitchFamily="18" charset="0"/>
+                                  <a:latin typeface="Cambria Math"/>
                                 </a:rPr>
                               </m:ctrlPr>
                             </m:dPr>
@@ -13187,7 +13199,7 @@
                                 <m:eqArrPr>
                                   <m:ctrlPr>
                                     <a:rPr lang="fr-FR" sz="1400" b="0" i="1" smtClean="0">
-                                      <a:latin typeface="Cambria Math" panose="02040503050406030204" pitchFamily="18" charset="0"/>
+                                      <a:latin typeface="Cambria Math"/>
                                     </a:rPr>
                                   </m:ctrlPr>
                                 </m:eqArrPr>
@@ -13196,7 +13208,7 @@
                                     <m:sSubPr>
                                       <m:ctrlPr>
                                         <a:rPr lang="fr-FR" sz="1400" i="1">
-                                          <a:latin typeface="Cambria Math" panose="02040503050406030204" pitchFamily="18" charset="0"/>
+                                          <a:latin typeface="Cambria Math"/>
                                         </a:rPr>
                                       </m:ctrlPr>
                                     </m:sSubPr>
@@ -13231,7 +13243,7 @@
                                       <m:chr m:val="⃗"/>
                                       <m:ctrlPr>
                                         <a:rPr lang="fr-FR" sz="1400" i="1">
-                                          <a:latin typeface="Cambria Math" panose="02040503050406030204" pitchFamily="18" charset="0"/>
+                                          <a:latin typeface="Cambria Math"/>
                                         </a:rPr>
                                       </m:ctrlPr>
                                     </m:accPr>
@@ -13240,7 +13252,7 @@
                                         <m:sSubPr>
                                           <m:ctrlPr>
                                             <a:rPr lang="fr-FR" sz="1400" i="1">
-                                              <a:latin typeface="Cambria Math" panose="02040503050406030204" pitchFamily="18" charset="0"/>
+                                              <a:latin typeface="Cambria Math"/>
                                             </a:rPr>
                                           </m:ctrlPr>
                                         </m:sSubPr>
@@ -13270,7 +13282,7 @@
                                       <m:chr m:val="⃗"/>
                                       <m:ctrlPr>
                                         <a:rPr lang="fr-FR" sz="1400" i="1">
-                                          <a:latin typeface="Cambria Math" panose="02040503050406030204" pitchFamily="18" charset="0"/>
+                                          <a:latin typeface="Cambria Math"/>
                                         </a:rPr>
                                       </m:ctrlPr>
                                     </m:accPr>
@@ -13293,7 +13305,7 @@
                             <m:sSubPr>
                               <m:ctrlPr>
                                 <a:rPr lang="fr-FR" sz="1400" b="0" i="1" smtClean="0">
-                                  <a:latin typeface="Cambria Math" panose="02040503050406030204" pitchFamily="18" charset="0"/>
+                                  <a:latin typeface="Cambria Math"/>
                                 </a:rPr>
                               </m:ctrlPr>
                             </m:sSubPr>
@@ -13427,7 +13439,7 @@
                         <m:sSubPr>
                           <m:ctrlPr>
                             <a:rPr lang="fr-FR" sz="1100" i="1" smtClean="0">
-                              <a:latin typeface="Cambria Math" panose="02040503050406030204" pitchFamily="18" charset="0"/>
+                              <a:latin typeface="Cambria Math"/>
                             </a:rPr>
                           </m:ctrlPr>
                         </m:sSubPr>
@@ -13468,7 +13480,7 @@
                           <m:chr m:val="⃗"/>
                           <m:ctrlPr>
                             <a:rPr lang="fr-FR" sz="1100" i="1">
-                              <a:latin typeface="Cambria Math" panose="02040503050406030204" pitchFamily="18" charset="0"/>
+                              <a:latin typeface="Cambria Math"/>
                             </a:rPr>
                           </m:ctrlPr>
                         </m:accPr>
@@ -13477,7 +13489,7 @@
                             <m:sSubPr>
                               <m:ctrlPr>
                                 <a:rPr lang="fr-FR" sz="1100" i="1">
-                                  <a:latin typeface="Cambria Math" panose="02040503050406030204" pitchFamily="18" charset="0"/>
+                                  <a:latin typeface="Cambria Math"/>
                                 </a:rPr>
                               </m:ctrlPr>
                             </m:sSubPr>
@@ -13581,7 +13593,7 @@
                         <m:sSubPr>
                           <m:ctrlPr>
                             <a:rPr lang="fr-FR" sz="1100" i="1" smtClean="0">
-                              <a:latin typeface="Cambria Math" panose="02040503050406030204" pitchFamily="18" charset="0"/>
+                              <a:latin typeface="Cambria Math"/>
                             </a:rPr>
                           </m:ctrlPr>
                         </m:sSubPr>
@@ -13607,7 +13619,7 @@
                           <m:chr m:val="⃗"/>
                           <m:ctrlPr>
                             <a:rPr lang="fr-FR" sz="1100" i="1">
-                              <a:latin typeface="Cambria Math" panose="02040503050406030204" pitchFamily="18" charset="0"/>
+                              <a:latin typeface="Cambria Math"/>
                             </a:rPr>
                           </m:ctrlPr>
                         </m:accPr>
@@ -13616,7 +13628,7 @@
                             <m:sSubPr>
                               <m:ctrlPr>
                                 <a:rPr lang="fr-FR" sz="1100" i="1">
-                                  <a:latin typeface="Cambria Math" panose="02040503050406030204" pitchFamily="18" charset="0"/>
+                                  <a:latin typeface="Cambria Math"/>
                                 </a:rPr>
                               </m:ctrlPr>
                             </m:sSubPr>
@@ -13720,7 +13732,7 @@
                         <m:sSubPr>
                           <m:ctrlPr>
                             <a:rPr lang="fr-FR" sz="1100" i="1" smtClean="0">
-                              <a:latin typeface="Cambria Math" panose="02040503050406030204" pitchFamily="18" charset="0"/>
+                              <a:latin typeface="Cambria Math"/>
                             </a:rPr>
                           </m:ctrlPr>
                         </m:sSubPr>
@@ -13746,7 +13758,7 @@
                           <m:chr m:val="⃗"/>
                           <m:ctrlPr>
                             <a:rPr lang="fr-FR" sz="1100" i="1">
-                              <a:latin typeface="Cambria Math" panose="02040503050406030204" pitchFamily="18" charset="0"/>
+                              <a:latin typeface="Cambria Math"/>
                             </a:rPr>
                           </m:ctrlPr>
                         </m:accPr>
@@ -13755,7 +13767,7 @@
                             <m:sSubPr>
                               <m:ctrlPr>
                                 <a:rPr lang="fr-FR" sz="1100" i="1">
-                                  <a:latin typeface="Cambria Math" panose="02040503050406030204" pitchFamily="18" charset="0"/>
+                                  <a:latin typeface="Cambria Math"/>
                                 </a:rPr>
                               </m:ctrlPr>
                             </m:sSubPr>
@@ -13859,7 +13871,7 @@
                         <m:sSubPr>
                           <m:ctrlPr>
                             <a:rPr lang="fr-FR" sz="1100" i="1" smtClean="0">
-                              <a:latin typeface="Cambria Math" panose="02040503050406030204" pitchFamily="18" charset="0"/>
+                              <a:latin typeface="Cambria Math"/>
                             </a:rPr>
                           </m:ctrlPr>
                         </m:sSubPr>
@@ -13894,7 +13906,7 @@
                           <m:chr m:val="⃗"/>
                           <m:ctrlPr>
                             <a:rPr lang="fr-FR" sz="1100" i="1">
-                              <a:latin typeface="Cambria Math" panose="02040503050406030204" pitchFamily="18" charset="0"/>
+                              <a:latin typeface="Cambria Math"/>
                             </a:rPr>
                           </m:ctrlPr>
                         </m:accPr>
@@ -13903,7 +13915,7 @@
                             <m:sSubPr>
                               <m:ctrlPr>
                                 <a:rPr lang="fr-FR" sz="1100" i="1">
-                                  <a:latin typeface="Cambria Math" panose="02040503050406030204" pitchFamily="18" charset="0"/>
+                                  <a:latin typeface="Cambria Math"/>
                                 </a:rPr>
                               </m:ctrlPr>
                             </m:sSubPr>
@@ -14537,7 +14549,7 @@
                       <m:dPr>
                         <m:ctrlPr>
                           <a:rPr lang="fr-FR" sz="1100" b="0" i="1" smtClean="0">
-                            <a:latin typeface="Cambria Math" panose="02040503050406030204" pitchFamily="18" charset="0"/>
+                            <a:latin typeface="Cambria Math"/>
                           </a:rPr>
                         </m:ctrlPr>
                       </m:dPr>
@@ -14559,7 +14571,7 @@
                             <m:chr m:val="⃗"/>
                             <m:ctrlPr>
                               <a:rPr lang="fr-FR" sz="1100" b="0" i="1" smtClean="0">
-                                <a:latin typeface="Cambria Math" panose="02040503050406030204" pitchFamily="18" charset="0"/>
+                                <a:latin typeface="Cambria Math"/>
                               </a:rPr>
                             </m:ctrlPr>
                           </m:accPr>
@@ -14568,7 +14580,7 @@
                               <m:sSubPr>
                                 <m:ctrlPr>
                                   <a:rPr lang="fr-FR" sz="1100" b="0" i="1" smtClean="0">
-                                    <a:latin typeface="Cambria Math" panose="02040503050406030204" pitchFamily="18" charset="0"/>
+                                    <a:latin typeface="Cambria Math"/>
                                   </a:rPr>
                                 </m:ctrlPr>
                               </m:sSubPr>
@@ -14673,7 +14685,7 @@
                       <m:dPr>
                         <m:ctrlPr>
                           <a:rPr lang="fr-FR" sz="1100" b="0" i="1" smtClean="0">
-                            <a:latin typeface="Cambria Math" panose="02040503050406030204" pitchFamily="18" charset="0"/>
+                            <a:latin typeface="Cambria Math"/>
                           </a:rPr>
                         </m:ctrlPr>
                       </m:dPr>
@@ -14695,7 +14707,7 @@
                             <m:chr m:val="⃗"/>
                             <m:ctrlPr>
                               <a:rPr lang="fr-FR" sz="1100" b="0" i="1" smtClean="0">
-                                <a:latin typeface="Cambria Math" panose="02040503050406030204" pitchFamily="18" charset="0"/>
+                                <a:latin typeface="Cambria Math"/>
                               </a:rPr>
                             </m:ctrlPr>
                           </m:accPr>
@@ -14704,7 +14716,7 @@
                               <m:sSubPr>
                                 <m:ctrlPr>
                                   <a:rPr lang="fr-FR" sz="1100" b="0" i="1" smtClean="0">
-                                    <a:latin typeface="Cambria Math" panose="02040503050406030204" pitchFamily="18" charset="0"/>
+                                    <a:latin typeface="Cambria Math"/>
                                   </a:rPr>
                                 </m:ctrlPr>
                               </m:sSubPr>
@@ -14809,7 +14821,7 @@
                       <m:dPr>
                         <m:ctrlPr>
                           <a:rPr lang="fr-FR" sz="1100" b="0" i="1" smtClean="0">
-                            <a:latin typeface="Cambria Math" panose="02040503050406030204" pitchFamily="18" charset="0"/>
+                            <a:latin typeface="Cambria Math"/>
                           </a:rPr>
                         </m:ctrlPr>
                       </m:dPr>
@@ -14831,7 +14843,7 @@
                             <m:chr m:val="⃗"/>
                             <m:ctrlPr>
                               <a:rPr lang="fr-FR" sz="1100" b="0" i="1" smtClean="0">
-                                <a:latin typeface="Cambria Math" panose="02040503050406030204" pitchFamily="18" charset="0"/>
+                                <a:latin typeface="Cambria Math"/>
                               </a:rPr>
                             </m:ctrlPr>
                           </m:accPr>
@@ -14840,7 +14852,7 @@
                               <m:sSubPr>
                                 <m:ctrlPr>
                                   <a:rPr lang="fr-FR" sz="1100" b="0" i="1" smtClean="0">
-                                    <a:latin typeface="Cambria Math" panose="02040503050406030204" pitchFamily="18" charset="0"/>
+                                    <a:latin typeface="Cambria Math"/>
                                   </a:rPr>
                                 </m:ctrlPr>
                               </m:sSubPr>
@@ -14945,7 +14957,7 @@
                       <m:dPr>
                         <m:ctrlPr>
                           <a:rPr lang="fr-FR" sz="1100" b="0" i="1" smtClean="0">
-                            <a:latin typeface="Cambria Math" panose="02040503050406030204" pitchFamily="18" charset="0"/>
+                            <a:latin typeface="Cambria Math"/>
                           </a:rPr>
                         </m:ctrlPr>
                       </m:dPr>
@@ -14955,7 +14967,7 @@
                             <m:chr m:val="⃗"/>
                             <m:ctrlPr>
                               <a:rPr lang="fr-FR" sz="1100" b="0" i="1" smtClean="0">
-                                <a:latin typeface="Cambria Math" panose="02040503050406030204" pitchFamily="18" charset="0"/>
+                                <a:latin typeface="Cambria Math"/>
                               </a:rPr>
                             </m:ctrlPr>
                           </m:accPr>
@@ -14964,7 +14976,7 @@
                               <m:sSubPr>
                                 <m:ctrlPr>
                                   <a:rPr lang="fr-FR" sz="1100" b="0" i="1" smtClean="0">
-                                    <a:latin typeface="Cambria Math" panose="02040503050406030204" pitchFamily="18" charset="0"/>
+                                    <a:latin typeface="Cambria Math"/>
                                   </a:rPr>
                                 </m:ctrlPr>
                               </m:sSubPr>
@@ -15209,6 +15221,1067 @@
 </p:sld>
 </file>
 
+<file path=ppt/slides/slide14.xml><?xml version="1.0" encoding="utf-8"?>
+<p:sld xmlns:a="http://schemas.openxmlformats.org/drawingml/2006/main" xmlns:r="http://schemas.openxmlformats.org/officeDocument/2006/relationships" xmlns:p="http://schemas.openxmlformats.org/presentationml/2006/main">
+  <p:cSld>
+    <p:spTree>
+      <p:nvGrpSpPr>
+        <p:cNvPr id="1" name=""/>
+        <p:cNvGrpSpPr/>
+        <p:nvPr/>
+      </p:nvGrpSpPr>
+      <p:grpSpPr>
+        <a:xfrm>
+          <a:off x="0" y="0"/>
+          <a:ext cx="0" cy="0"/>
+          <a:chOff x="0" y="0"/>
+          <a:chExt cx="0" cy="0"/>
+        </a:xfrm>
+      </p:grpSpPr>
+      <p:pic>
+        <p:nvPicPr>
+          <p:cNvPr id="1026" name="Picture 2" descr="C:\Users\pt_ptsi\Documents\GitHub\Cy_01_PSI_ModelisationLinNonLin\Revisions\05_Modelisation_Bode_Activation_FreinTGV\images\Q12.png"/>
+          <p:cNvPicPr>
+            <a:picLocks noChangeAspect="1" noChangeArrowheads="1"/>
+          </p:cNvPicPr>
+          <p:nvPr/>
+        </p:nvPicPr>
+        <p:blipFill>
+          <a:blip r:embed="rId2">
+            <a:extLst>
+              <a:ext uri="{28A0092B-C50C-407E-A947-70E740481C1C}">
+                <a14:useLocalDpi xmlns:a14="http://schemas.microsoft.com/office/drawing/2010/main" val="0"/>
+              </a:ext>
+            </a:extLst>
+          </a:blip>
+          <a:srcRect/>
+          <a:stretch>
+            <a:fillRect/>
+          </a:stretch>
+        </p:blipFill>
+        <p:spPr bwMode="auto">
+          <a:xfrm>
+            <a:off x="1259632" y="1628800"/>
+            <a:ext cx="7060306" cy="4451136"/>
+          </a:xfrm>
+          <a:prstGeom prst="rect">
+            <a:avLst/>
+          </a:prstGeom>
+          <a:noFill/>
+          <a:extLst>
+            <a:ext uri="{909E8E84-426E-40DD-AFC4-6F175D3DCCD1}">
+              <a14:hiddenFill xmlns:a14="http://schemas.microsoft.com/office/drawing/2010/main">
+                <a:solidFill>
+                  <a:srgbClr val="FFFFFF"/>
+                </a:solidFill>
+              </a14:hiddenFill>
+            </a:ext>
+          </a:extLst>
+        </p:spPr>
+      </p:pic>
+      <mc:AlternateContent xmlns:mc="http://schemas.openxmlformats.org/markup-compatibility/2006" xmlns:a14="http://schemas.microsoft.com/office/drawing/2010/main">
+        <mc:Choice Requires="a14">
+          <p:sp>
+            <p:nvSpPr>
+              <p:cNvPr id="4" name="ZoneTexte 3"/>
+              <p:cNvSpPr txBox="1"/>
+              <p:nvPr/>
+            </p:nvSpPr>
+            <p:spPr>
+              <a:xfrm>
+                <a:off x="1187624" y="3793769"/>
+                <a:ext cx="2005677" cy="281167"/>
+              </a:xfrm>
+              <a:prstGeom prst="rect">
+                <a:avLst/>
+              </a:prstGeom>
+              <a:noFill/>
+            </p:spPr>
+            <p:txBody>
+              <a:bodyPr wrap="none" rtlCol="0">
+                <a:spAutoFit/>
+              </a:bodyPr>
+              <a:lstStyle/>
+              <a:p>
+                <a:pPr/>
+                <a14:m>
+                  <m:oMathPara xmlns:m="http://schemas.openxmlformats.org/officeDocument/2006/math">
+                    <m:oMathParaPr>
+                      <m:jc m:val="centerGroup"/>
+                    </m:oMathParaPr>
+                    <m:oMath xmlns:m="http://schemas.openxmlformats.org/officeDocument/2006/math">
+                      <m:r>
+                        <a:rPr lang="fr-FR" sz="1200" b="1" i="1" smtClean="0">
+                          <a:latin typeface="Cambria Math"/>
+                        </a:rPr>
+                        <m:t>𝟐𝟎</m:t>
+                      </m:r>
+                      <m:func>
+                        <m:funcPr>
+                          <m:ctrlPr>
+                            <a:rPr lang="fr-FR" sz="1200" b="1" i="1" smtClean="0">
+                              <a:latin typeface="Cambria Math"/>
+                            </a:rPr>
+                          </m:ctrlPr>
+                        </m:funcPr>
+                        <m:fName>
+                          <m:r>
+                            <a:rPr lang="fr-FR" sz="1200" b="1" i="0" smtClean="0">
+                              <a:latin typeface="Cambria Math"/>
+                            </a:rPr>
+                            <m:t>𝐥𝐨𝐠</m:t>
+                          </m:r>
+                        </m:fName>
+                        <m:e>
+                          <m:r>
+                            <a:rPr lang="fr-FR" sz="1200" b="1" i="1" smtClean="0">
+                              <a:latin typeface="Cambria Math"/>
+                            </a:rPr>
+                            <m:t>𝟒𝟓</m:t>
+                          </m:r>
+                          <m:r>
+                            <a:rPr lang="fr-FR" sz="1200" b="1" i="1" smtClean="0">
+                              <a:latin typeface="Cambria Math"/>
+                            </a:rPr>
+                            <m:t>⋅</m:t>
+                          </m:r>
+                          <m:sSup>
+                            <m:sSupPr>
+                              <m:ctrlPr>
+                                <a:rPr lang="fr-FR" sz="1200" b="1" i="1" smtClean="0">
+                                  <a:latin typeface="Cambria Math"/>
+                                </a:rPr>
+                              </m:ctrlPr>
+                            </m:sSupPr>
+                            <m:e>
+                              <m:r>
+                                <a:rPr lang="fr-FR" sz="1200" b="1" i="1" smtClean="0">
+                                  <a:latin typeface="Cambria Math"/>
+                                </a:rPr>
+                                <m:t>𝟏𝟎</m:t>
+                              </m:r>
+                            </m:e>
+                            <m:sup>
+                              <m:r>
+                                <a:rPr lang="fr-FR" sz="1200" b="1" i="1" smtClean="0">
+                                  <a:latin typeface="Cambria Math"/>
+                                </a:rPr>
+                                <m:t>−</m:t>
+                              </m:r>
+                              <m:r>
+                                <a:rPr lang="fr-FR" sz="1200" b="1" i="1" smtClean="0">
+                                  <a:latin typeface="Cambria Math"/>
+                                </a:rPr>
+                                <m:t>𝟔</m:t>
+                              </m:r>
+                            </m:sup>
+                          </m:sSup>
+                        </m:e>
+                      </m:func>
+                      <m:r>
+                        <a:rPr lang="fr-FR" sz="1200" b="1" i="1" smtClean="0">
+                          <a:latin typeface="Cambria Math"/>
+                        </a:rPr>
+                        <m:t>=−</m:t>
+                      </m:r>
+                      <m:r>
+                        <a:rPr lang="fr-FR" sz="1200" b="1" i="1" smtClean="0">
+                          <a:latin typeface="Cambria Math"/>
+                        </a:rPr>
+                        <m:t>𝟖𝟕</m:t>
+                      </m:r>
+                      <m:r>
+                        <a:rPr lang="fr-FR" sz="1200" b="1" i="0" smtClean="0">
+                          <a:latin typeface="Cambria Math"/>
+                        </a:rPr>
+                        <m:t>𝐝𝐁</m:t>
+                      </m:r>
+                    </m:oMath>
+                  </m:oMathPara>
+                </a14:m>
+                <a:endParaRPr lang="fr-FR" sz="1200" b="1" dirty="0"/>
+              </a:p>
+            </p:txBody>
+          </p:sp>
+        </mc:Choice>
+        <mc:Fallback xmlns="">
+          <p:sp>
+            <p:nvSpPr>
+              <p:cNvPr id="4" name="ZoneTexte 3"/>
+              <p:cNvSpPr txBox="1">
+                <a:spLocks noRot="1" noChangeAspect="1" noMove="1" noResize="1" noEditPoints="1" noAdjustHandles="1" noChangeArrowheads="1" noChangeShapeType="1" noTextEdit="1"/>
+              </p:cNvSpPr>
+              <p:nvPr/>
+            </p:nvSpPr>
+            <p:spPr>
+              <a:xfrm>
+                <a:off x="1187624" y="3793769"/>
+                <a:ext cx="2005677" cy="281167"/>
+              </a:xfrm>
+              <a:prstGeom prst="rect">
+                <a:avLst/>
+              </a:prstGeom>
+              <a:blipFill rotWithShape="1">
+                <a:blip r:embed="rId3"/>
+                <a:stretch>
+                  <a:fillRect b="-4348"/>
+                </a:stretch>
+              </a:blipFill>
+            </p:spPr>
+            <p:txBody>
+              <a:bodyPr/>
+              <a:lstStyle/>
+              <a:p>
+                <a:r>
+                  <a:rPr lang="fr-FR">
+                    <a:noFill/>
+                  </a:rPr>
+                  <a:t> </a:t>
+                </a:r>
+              </a:p>
+            </p:txBody>
+          </p:sp>
+        </mc:Fallback>
+      </mc:AlternateContent>
+      <p:cxnSp>
+        <p:nvCxnSpPr>
+          <p:cNvPr id="6" name="Connecteur droit 5"/>
+          <p:cNvCxnSpPr/>
+          <p:nvPr/>
+        </p:nvCxnSpPr>
+        <p:spPr>
+          <a:xfrm flipH="1" flipV="1">
+            <a:off x="1626496" y="2420888"/>
+            <a:ext cx="5593872" cy="3240360"/>
+          </a:xfrm>
+          <a:prstGeom prst="line">
+            <a:avLst/>
+          </a:prstGeom>
+          <a:ln w="38100">
+            <a:solidFill>
+              <a:srgbClr val="00B050"/>
+            </a:solidFill>
+          </a:ln>
+        </p:spPr>
+        <p:style>
+          <a:lnRef idx="1">
+            <a:schemeClr val="accent1"/>
+          </a:lnRef>
+          <a:fillRef idx="0">
+            <a:schemeClr val="accent1"/>
+          </a:fillRef>
+          <a:effectRef idx="0">
+            <a:schemeClr val="accent1"/>
+          </a:effectRef>
+          <a:fontRef idx="minor">
+            <a:schemeClr val="tx1"/>
+          </a:fontRef>
+        </p:style>
+      </p:cxnSp>
+      <p:cxnSp>
+        <p:nvCxnSpPr>
+          <p:cNvPr id="11" name="Connecteur droit 10"/>
+          <p:cNvCxnSpPr/>
+          <p:nvPr/>
+        </p:nvCxnSpPr>
+        <p:spPr>
+          <a:xfrm flipH="1">
+            <a:off x="1643430" y="4074936"/>
+            <a:ext cx="2796936" cy="0"/>
+          </a:xfrm>
+          <a:prstGeom prst="line">
+            <a:avLst/>
+          </a:prstGeom>
+          <a:ln w="28575">
+            <a:solidFill>
+              <a:srgbClr val="00B050"/>
+            </a:solidFill>
+          </a:ln>
+        </p:spPr>
+        <p:style>
+          <a:lnRef idx="1">
+            <a:schemeClr val="accent1"/>
+          </a:lnRef>
+          <a:fillRef idx="0">
+            <a:schemeClr val="accent1"/>
+          </a:fillRef>
+          <a:effectRef idx="0">
+            <a:schemeClr val="accent1"/>
+          </a:effectRef>
+          <a:fontRef idx="minor">
+            <a:schemeClr val="tx1"/>
+          </a:fontRef>
+        </p:style>
+      </p:cxnSp>
+      <p:cxnSp>
+        <p:nvCxnSpPr>
+          <p:cNvPr id="14" name="Connecteur droit 13"/>
+          <p:cNvCxnSpPr/>
+          <p:nvPr/>
+        </p:nvCxnSpPr>
+        <p:spPr>
+          <a:xfrm flipH="1">
+            <a:off x="1643430" y="4221088"/>
+            <a:ext cx="2208490" cy="1296144"/>
+          </a:xfrm>
+          <a:prstGeom prst="line">
+            <a:avLst/>
+          </a:prstGeom>
+          <a:ln w="38100">
+            <a:solidFill>
+              <a:srgbClr val="FF0000"/>
+            </a:solidFill>
+          </a:ln>
+        </p:spPr>
+        <p:style>
+          <a:lnRef idx="1">
+            <a:schemeClr val="accent1"/>
+          </a:lnRef>
+          <a:fillRef idx="0">
+            <a:schemeClr val="accent1"/>
+          </a:fillRef>
+          <a:effectRef idx="0">
+            <a:schemeClr val="accent1"/>
+          </a:effectRef>
+          <a:fontRef idx="minor">
+            <a:schemeClr val="tx1"/>
+          </a:fontRef>
+        </p:style>
+      </p:cxnSp>
+      <p:cxnSp>
+        <p:nvCxnSpPr>
+          <p:cNvPr id="20" name="Connecteur droit 19"/>
+          <p:cNvCxnSpPr/>
+          <p:nvPr/>
+        </p:nvCxnSpPr>
+        <p:spPr>
+          <a:xfrm flipH="1" flipV="1">
+            <a:off x="4750132" y="4221088"/>
+            <a:ext cx="2486165" cy="1440160"/>
+          </a:xfrm>
+          <a:prstGeom prst="line">
+            <a:avLst/>
+          </a:prstGeom>
+          <a:ln w="38100">
+            <a:solidFill>
+              <a:srgbClr val="FF0000"/>
+            </a:solidFill>
+          </a:ln>
+        </p:spPr>
+        <p:style>
+          <a:lnRef idx="1">
+            <a:schemeClr val="accent1"/>
+          </a:lnRef>
+          <a:fillRef idx="0">
+            <a:schemeClr val="accent1"/>
+          </a:fillRef>
+          <a:effectRef idx="0">
+            <a:schemeClr val="accent1"/>
+          </a:effectRef>
+          <a:fontRef idx="minor">
+            <a:schemeClr val="tx1"/>
+          </a:fontRef>
+        </p:style>
+      </p:cxnSp>
+      <mc:AlternateContent xmlns:mc="http://schemas.openxmlformats.org/markup-compatibility/2006" xmlns:a14="http://schemas.microsoft.com/office/drawing/2010/main">
+        <mc:Choice Requires="a14">
+          <p:sp>
+            <p:nvSpPr>
+              <p:cNvPr id="30" name="ZoneTexte 29"/>
+              <p:cNvSpPr txBox="1"/>
+              <p:nvPr/>
+            </p:nvSpPr>
+            <p:spPr>
+              <a:xfrm>
+                <a:off x="2039059" y="2426707"/>
+                <a:ext cx="726481" cy="276999"/>
+              </a:xfrm>
+              <a:prstGeom prst="rect">
+                <a:avLst/>
+              </a:prstGeom>
+              <a:noFill/>
+            </p:spPr>
+            <p:txBody>
+              <a:bodyPr wrap="none" rtlCol="0">
+                <a:spAutoFit/>
+              </a:bodyPr>
+              <a:lstStyle/>
+              <a:p>
+                <a:pPr/>
+                <a14:m>
+                  <m:oMathPara xmlns:m="http://schemas.openxmlformats.org/officeDocument/2006/math">
+                    <m:oMathParaPr>
+                      <m:jc m:val="centerGroup"/>
+                    </m:oMathParaPr>
+                    <m:oMath xmlns:m="http://schemas.openxmlformats.org/officeDocument/2006/math">
+                      <m:sSub>
+                        <m:sSubPr>
+                          <m:ctrlPr>
+                            <a:rPr lang="fr-FR" sz="1200" b="1" i="1" smtClean="0">
+                              <a:latin typeface="Cambria Math"/>
+                            </a:rPr>
+                          </m:ctrlPr>
+                        </m:sSubPr>
+                        <m:e>
+                          <m:r>
+                            <a:rPr lang="fr-FR" sz="1200" b="1" i="1" smtClean="0">
+                              <a:latin typeface="Cambria Math"/>
+                            </a:rPr>
+                            <m:t>𝑯</m:t>
+                          </m:r>
+                        </m:e>
+                        <m:sub>
+                          <m:r>
+                            <a:rPr lang="fr-FR" sz="1200" b="1" i="1" smtClean="0">
+                              <a:latin typeface="Cambria Math"/>
+                            </a:rPr>
+                            <m:t>𝟐</m:t>
+                          </m:r>
+                        </m:sub>
+                      </m:sSub>
+                      <m:r>
+                        <a:rPr lang="fr-FR" sz="1200" b="1" i="1" smtClean="0">
+                          <a:latin typeface="Cambria Math"/>
+                        </a:rPr>
+                        <m:t>(</m:t>
+                      </m:r>
+                      <m:r>
+                        <a:rPr lang="fr-FR" sz="1200" b="1" i="1" smtClean="0">
+                          <a:latin typeface="Cambria Math"/>
+                        </a:rPr>
+                        <m:t>𝒋</m:t>
+                      </m:r>
+                      <m:r>
+                        <a:rPr lang="fr-FR" sz="1200" b="1" i="1" smtClean="0">
+                          <a:latin typeface="Cambria Math"/>
+                        </a:rPr>
+                        <m:t>𝝎</m:t>
+                      </m:r>
+                      <m:r>
+                        <a:rPr lang="fr-FR" sz="1200" b="1" i="1" smtClean="0">
+                          <a:latin typeface="Cambria Math"/>
+                        </a:rPr>
+                        <m:t>)</m:t>
+                      </m:r>
+                    </m:oMath>
+                  </m:oMathPara>
+                </a14:m>
+                <a:endParaRPr lang="fr-FR" sz="1200" b="1" dirty="0"/>
+              </a:p>
+            </p:txBody>
+          </p:sp>
+        </mc:Choice>
+        <mc:Fallback xmlns="">
+          <p:sp>
+            <p:nvSpPr>
+              <p:cNvPr id="30" name="ZoneTexte 29"/>
+              <p:cNvSpPr txBox="1">
+                <a:spLocks noRot="1" noChangeAspect="1" noMove="1" noResize="1" noEditPoints="1" noAdjustHandles="1" noChangeArrowheads="1" noChangeShapeType="1" noTextEdit="1"/>
+              </p:cNvSpPr>
+              <p:nvPr/>
+            </p:nvSpPr>
+            <p:spPr>
+              <a:xfrm>
+                <a:off x="2039059" y="2426707"/>
+                <a:ext cx="726481" cy="276999"/>
+              </a:xfrm>
+              <a:prstGeom prst="rect">
+                <a:avLst/>
+              </a:prstGeom>
+              <a:blipFill rotWithShape="1">
+                <a:blip r:embed="rId4"/>
+                <a:stretch>
+                  <a:fillRect b="-6522"/>
+                </a:stretch>
+              </a:blipFill>
+            </p:spPr>
+            <p:txBody>
+              <a:bodyPr/>
+              <a:lstStyle/>
+              <a:p>
+                <a:r>
+                  <a:rPr lang="fr-FR">
+                    <a:noFill/>
+                  </a:rPr>
+                  <a:t> </a:t>
+                </a:r>
+              </a:p>
+            </p:txBody>
+          </p:sp>
+        </mc:Fallback>
+      </mc:AlternateContent>
+      <mc:AlternateContent xmlns:mc="http://schemas.openxmlformats.org/markup-compatibility/2006" xmlns:a14="http://schemas.microsoft.com/office/drawing/2010/main">
+        <mc:Choice Requires="a14">
+          <p:sp>
+            <p:nvSpPr>
+              <p:cNvPr id="31" name="ZoneTexte 30"/>
+              <p:cNvSpPr txBox="1"/>
+              <p:nvPr/>
+            </p:nvSpPr>
+            <p:spPr>
+              <a:xfrm>
+                <a:off x="2105024" y="4617299"/>
+                <a:ext cx="702436" cy="276999"/>
+              </a:xfrm>
+              <a:prstGeom prst="rect">
+                <a:avLst/>
+              </a:prstGeom>
+              <a:noFill/>
+            </p:spPr>
+            <p:txBody>
+              <a:bodyPr wrap="none" rtlCol="0">
+                <a:spAutoFit/>
+              </a:bodyPr>
+              <a:lstStyle/>
+              <a:p>
+                <a:pPr/>
+                <a14:m>
+                  <m:oMathPara xmlns:m="http://schemas.openxmlformats.org/officeDocument/2006/math">
+                    <m:oMathParaPr>
+                      <m:jc m:val="centerGroup"/>
+                    </m:oMathParaPr>
+                    <m:oMath xmlns:m="http://schemas.openxmlformats.org/officeDocument/2006/math">
+                      <m:sSub>
+                        <m:sSubPr>
+                          <m:ctrlPr>
+                            <a:rPr lang="fr-FR" sz="1200" b="1" i="1" smtClean="0">
+                              <a:latin typeface="Cambria Math"/>
+                            </a:rPr>
+                          </m:ctrlPr>
+                        </m:sSubPr>
+                        <m:e>
+                          <m:r>
+                            <a:rPr lang="fr-FR" sz="1200" b="1" i="1" smtClean="0">
+                              <a:latin typeface="Cambria Math"/>
+                            </a:rPr>
+                            <m:t>𝑭</m:t>
+                          </m:r>
+                        </m:e>
+                        <m:sub>
+                          <m:r>
+                            <a:rPr lang="fr-FR" sz="1200" b="1" i="1" smtClean="0">
+                              <a:latin typeface="Cambria Math"/>
+                            </a:rPr>
+                            <m:t>𝟐</m:t>
+                          </m:r>
+                        </m:sub>
+                      </m:sSub>
+                      <m:r>
+                        <a:rPr lang="fr-FR" sz="1200" b="1" i="1" smtClean="0">
+                          <a:latin typeface="Cambria Math"/>
+                        </a:rPr>
+                        <m:t>(</m:t>
+                      </m:r>
+                      <m:r>
+                        <a:rPr lang="fr-FR" sz="1200" b="1" i="1" smtClean="0">
+                          <a:latin typeface="Cambria Math"/>
+                        </a:rPr>
+                        <m:t>𝒋</m:t>
+                      </m:r>
+                      <m:r>
+                        <a:rPr lang="fr-FR" sz="1200" b="1" i="1" smtClean="0">
+                          <a:latin typeface="Cambria Math"/>
+                        </a:rPr>
+                        <m:t>𝝎</m:t>
+                      </m:r>
+                      <m:r>
+                        <a:rPr lang="fr-FR" sz="1200" b="1" i="1" smtClean="0">
+                          <a:latin typeface="Cambria Math"/>
+                        </a:rPr>
+                        <m:t>)</m:t>
+                      </m:r>
+                    </m:oMath>
+                  </m:oMathPara>
+                </a14:m>
+                <a:endParaRPr lang="fr-FR" sz="1200" b="1" dirty="0"/>
+              </a:p>
+            </p:txBody>
+          </p:sp>
+        </mc:Choice>
+        <mc:Fallback xmlns="">
+          <p:sp>
+            <p:nvSpPr>
+              <p:cNvPr id="31" name="ZoneTexte 30"/>
+              <p:cNvSpPr txBox="1">
+                <a:spLocks noRot="1" noChangeAspect="1" noMove="1" noResize="1" noEditPoints="1" noAdjustHandles="1" noChangeArrowheads="1" noChangeShapeType="1" noTextEdit="1"/>
+              </p:cNvSpPr>
+              <p:nvPr/>
+            </p:nvSpPr>
+            <p:spPr>
+              <a:xfrm>
+                <a:off x="2105024" y="4617299"/>
+                <a:ext cx="702436" cy="276999"/>
+              </a:xfrm>
+              <a:prstGeom prst="rect">
+                <a:avLst/>
+              </a:prstGeom>
+              <a:blipFill rotWithShape="1">
+                <a:blip r:embed="rId5"/>
+                <a:stretch>
+                  <a:fillRect b="-6522"/>
+                </a:stretch>
+              </a:blipFill>
+            </p:spPr>
+            <p:txBody>
+              <a:bodyPr/>
+              <a:lstStyle/>
+              <a:p>
+                <a:r>
+                  <a:rPr lang="fr-FR">
+                    <a:noFill/>
+                  </a:rPr>
+                  <a:t> </a:t>
+                </a:r>
+              </a:p>
+            </p:txBody>
+          </p:sp>
+        </mc:Fallback>
+      </mc:AlternateContent>
+      <p:cxnSp>
+        <p:nvCxnSpPr>
+          <p:cNvPr id="12" name="Connecteur droit 11"/>
+          <p:cNvCxnSpPr/>
+          <p:nvPr/>
+        </p:nvCxnSpPr>
+        <p:spPr>
+          <a:xfrm>
+            <a:off x="3851920" y="4221088"/>
+            <a:ext cx="0" cy="1584176"/>
+          </a:xfrm>
+          <a:prstGeom prst="line">
+            <a:avLst/>
+          </a:prstGeom>
+          <a:ln w="19050">
+            <a:solidFill>
+              <a:srgbClr val="FF0000"/>
+            </a:solidFill>
+            <a:headEnd type="none" w="med" len="lg"/>
+            <a:tailEnd type="stealth" w="med" len="lg"/>
+          </a:ln>
+        </p:spPr>
+        <p:style>
+          <a:lnRef idx="1">
+            <a:schemeClr val="accent1"/>
+          </a:lnRef>
+          <a:fillRef idx="0">
+            <a:schemeClr val="accent1"/>
+          </a:fillRef>
+          <a:effectRef idx="0">
+            <a:schemeClr val="accent1"/>
+          </a:effectRef>
+          <a:fontRef idx="minor">
+            <a:schemeClr val="tx1"/>
+          </a:fontRef>
+        </p:style>
+      </p:cxnSp>
+      <p:cxnSp>
+        <p:nvCxnSpPr>
+          <p:cNvPr id="15" name="Connecteur droit 14"/>
+          <p:cNvCxnSpPr/>
+          <p:nvPr/>
+        </p:nvCxnSpPr>
+        <p:spPr>
+          <a:xfrm>
+            <a:off x="4750132" y="4221088"/>
+            <a:ext cx="0" cy="1584176"/>
+          </a:xfrm>
+          <a:prstGeom prst="line">
+            <a:avLst/>
+          </a:prstGeom>
+          <a:ln w="19050">
+            <a:solidFill>
+              <a:srgbClr val="FF0000"/>
+            </a:solidFill>
+            <a:headEnd type="none" w="med" len="lg"/>
+            <a:tailEnd type="stealth" w="med" len="lg"/>
+          </a:ln>
+        </p:spPr>
+        <p:style>
+          <a:lnRef idx="1">
+            <a:schemeClr val="accent1"/>
+          </a:lnRef>
+          <a:fillRef idx="0">
+            <a:schemeClr val="accent1"/>
+          </a:fillRef>
+          <a:effectRef idx="0">
+            <a:schemeClr val="accent1"/>
+          </a:effectRef>
+          <a:fontRef idx="minor">
+            <a:schemeClr val="tx1"/>
+          </a:fontRef>
+        </p:style>
+      </p:cxnSp>
+      <mc:AlternateContent xmlns:mc="http://schemas.openxmlformats.org/markup-compatibility/2006">
+        <mc:Choice xmlns:a14="http://schemas.microsoft.com/office/drawing/2010/main" Requires="a14">
+          <p:sp>
+            <p:nvSpPr>
+              <p:cNvPr id="16" name="ZoneTexte 15"/>
+              <p:cNvSpPr txBox="1"/>
+              <p:nvPr/>
+            </p:nvSpPr>
+            <p:spPr>
+              <a:xfrm>
+                <a:off x="3327931" y="5528263"/>
+                <a:ext cx="551754" cy="276999"/>
+              </a:xfrm>
+              <a:prstGeom prst="rect">
+                <a:avLst/>
+              </a:prstGeom>
+              <a:noFill/>
+            </p:spPr>
+            <p:txBody>
+              <a:bodyPr wrap="none" rtlCol="0">
+                <a:spAutoFit/>
+              </a:bodyPr>
+              <a:lstStyle/>
+              <a:p>
+                <a:pPr/>
+                <a14:m>
+                  <m:oMathPara xmlns:m="http://schemas.openxmlformats.org/officeDocument/2006/math">
+                    <m:oMathParaPr>
+                      <m:jc m:val="centerGroup"/>
+                    </m:oMathParaPr>
+                    <m:oMath xmlns:m="http://schemas.openxmlformats.org/officeDocument/2006/math">
+                      <m:r>
+                        <a:rPr lang="fr-FR" sz="1200" b="1" i="1" smtClean="0">
+                          <a:latin typeface="Cambria Math"/>
+                        </a:rPr>
+                        <m:t>𝟎</m:t>
+                      </m:r>
+                      <m:r>
+                        <a:rPr lang="fr-FR" sz="1200" b="1" i="1" smtClean="0">
+                          <a:latin typeface="Cambria Math"/>
+                        </a:rPr>
+                        <m:t>,</m:t>
+                      </m:r>
+                      <m:r>
+                        <a:rPr lang="fr-FR" sz="1200" b="1" i="1" smtClean="0">
+                          <a:latin typeface="Cambria Math"/>
+                        </a:rPr>
+                        <m:t>𝟑𝟓</m:t>
+                      </m:r>
+                    </m:oMath>
+                  </m:oMathPara>
+                </a14:m>
+                <a:endParaRPr lang="fr-FR" sz="1200" b="1" dirty="0"/>
+              </a:p>
+            </p:txBody>
+          </p:sp>
+        </mc:Choice>
+        <mc:Fallback>
+          <p:sp>
+            <p:nvSpPr>
+              <p:cNvPr id="16" name="ZoneTexte 15"/>
+              <p:cNvSpPr txBox="1">
+                <a:spLocks noRot="1" noChangeAspect="1" noMove="1" noResize="1" noEditPoints="1" noAdjustHandles="1" noChangeArrowheads="1" noChangeShapeType="1" noTextEdit="1"/>
+              </p:cNvSpPr>
+              <p:nvPr/>
+            </p:nvSpPr>
+            <p:spPr>
+              <a:xfrm>
+                <a:off x="3327931" y="5528263"/>
+                <a:ext cx="551754" cy="276999"/>
+              </a:xfrm>
+              <a:prstGeom prst="rect">
+                <a:avLst/>
+              </a:prstGeom>
+              <a:blipFill rotWithShape="1">
+                <a:blip r:embed="rId6"/>
+                <a:stretch>
+                  <a:fillRect/>
+                </a:stretch>
+              </a:blipFill>
+            </p:spPr>
+            <p:txBody>
+              <a:bodyPr/>
+              <a:lstStyle/>
+              <a:p>
+                <a:r>
+                  <a:rPr lang="fr-FR">
+                    <a:noFill/>
+                  </a:rPr>
+                  <a:t> </a:t>
+                </a:r>
+              </a:p>
+            </p:txBody>
+          </p:sp>
+        </mc:Fallback>
+      </mc:AlternateContent>
+      <mc:AlternateContent xmlns:mc="http://schemas.openxmlformats.org/markup-compatibility/2006">
+        <mc:Choice xmlns:a14="http://schemas.microsoft.com/office/drawing/2010/main" Requires="a14">
+          <p:sp>
+            <p:nvSpPr>
+              <p:cNvPr id="18" name="ZoneTexte 17"/>
+              <p:cNvSpPr txBox="1"/>
+              <p:nvPr/>
+            </p:nvSpPr>
+            <p:spPr>
+              <a:xfrm>
+                <a:off x="4932040" y="5517232"/>
+                <a:ext cx="460382" cy="276999"/>
+              </a:xfrm>
+              <a:prstGeom prst="rect">
+                <a:avLst/>
+              </a:prstGeom>
+              <a:noFill/>
+            </p:spPr>
+            <p:txBody>
+              <a:bodyPr wrap="none" rtlCol="0">
+                <a:spAutoFit/>
+              </a:bodyPr>
+              <a:lstStyle/>
+              <a:p>
+                <a:pPr/>
+                <a14:m>
+                  <m:oMathPara xmlns:m="http://schemas.openxmlformats.org/officeDocument/2006/math">
+                    <m:oMathParaPr>
+                      <m:jc m:val="centerGroup"/>
+                    </m:oMathParaPr>
+                    <m:oMath xmlns:m="http://schemas.openxmlformats.org/officeDocument/2006/math">
+                      <m:r>
+                        <a:rPr lang="fr-FR" sz="1200" b="1" i="1" smtClean="0">
+                          <a:latin typeface="Cambria Math"/>
+                        </a:rPr>
+                        <m:t>𝟏</m:t>
+                      </m:r>
+                      <m:r>
+                        <a:rPr lang="fr-FR" sz="1200" b="1" i="1" smtClean="0">
+                          <a:latin typeface="Cambria Math"/>
+                        </a:rPr>
+                        <m:t>,</m:t>
+                      </m:r>
+                      <m:r>
+                        <a:rPr lang="fr-FR" sz="1200" b="1" i="1" smtClean="0">
+                          <a:latin typeface="Cambria Math"/>
+                        </a:rPr>
+                        <m:t>𝟖</m:t>
+                      </m:r>
+                    </m:oMath>
+                  </m:oMathPara>
+                </a14:m>
+                <a:endParaRPr lang="fr-FR" sz="1200" b="1" dirty="0"/>
+              </a:p>
+            </p:txBody>
+          </p:sp>
+        </mc:Choice>
+        <mc:Fallback>
+          <p:sp>
+            <p:nvSpPr>
+              <p:cNvPr id="18" name="ZoneTexte 17"/>
+              <p:cNvSpPr txBox="1">
+                <a:spLocks noRot="1" noChangeAspect="1" noMove="1" noResize="1" noEditPoints="1" noAdjustHandles="1" noChangeArrowheads="1" noChangeShapeType="1" noTextEdit="1"/>
+              </p:cNvSpPr>
+              <p:nvPr/>
+            </p:nvSpPr>
+            <p:spPr>
+              <a:xfrm>
+                <a:off x="4932040" y="5517232"/>
+                <a:ext cx="460382" cy="276999"/>
+              </a:xfrm>
+              <a:prstGeom prst="rect">
+                <a:avLst/>
+              </a:prstGeom>
+              <a:blipFill rotWithShape="1">
+                <a:blip r:embed="rId7"/>
+                <a:stretch>
+                  <a:fillRect/>
+                </a:stretch>
+              </a:blipFill>
+            </p:spPr>
+            <p:txBody>
+              <a:bodyPr/>
+              <a:lstStyle/>
+              <a:p>
+                <a:r>
+                  <a:rPr lang="fr-FR">
+                    <a:noFill/>
+                  </a:rPr>
+                  <a:t> </a:t>
+                </a:r>
+              </a:p>
+            </p:txBody>
+          </p:sp>
+        </mc:Fallback>
+      </mc:AlternateContent>
+      <p:cxnSp>
+        <p:nvCxnSpPr>
+          <p:cNvPr id="19" name="Connecteur droit 18"/>
+          <p:cNvCxnSpPr/>
+          <p:nvPr/>
+        </p:nvCxnSpPr>
+        <p:spPr>
+          <a:xfrm flipH="1">
+            <a:off x="1540850" y="4232023"/>
+            <a:ext cx="2796936" cy="0"/>
+          </a:xfrm>
+          <a:prstGeom prst="line">
+            <a:avLst/>
+          </a:prstGeom>
+          <a:ln w="28575">
+            <a:solidFill>
+              <a:srgbClr val="FF0000"/>
+            </a:solidFill>
+          </a:ln>
+        </p:spPr>
+        <p:style>
+          <a:lnRef idx="1">
+            <a:schemeClr val="accent1"/>
+          </a:lnRef>
+          <a:fillRef idx="0">
+            <a:schemeClr val="accent1"/>
+          </a:fillRef>
+          <a:effectRef idx="0">
+            <a:schemeClr val="accent1"/>
+          </a:effectRef>
+          <a:fontRef idx="minor">
+            <a:schemeClr val="tx1"/>
+          </a:fontRef>
+        </p:style>
+      </p:cxnSp>
+      <p:cxnSp>
+        <p:nvCxnSpPr>
+          <p:cNvPr id="17" name="Connecteur droit 16"/>
+          <p:cNvCxnSpPr/>
+          <p:nvPr/>
+        </p:nvCxnSpPr>
+        <p:spPr>
+          <a:xfrm>
+            <a:off x="3851920" y="4221088"/>
+            <a:ext cx="920931" cy="0"/>
+          </a:xfrm>
+          <a:prstGeom prst="line">
+            <a:avLst/>
+          </a:prstGeom>
+          <a:ln w="38100">
+            <a:solidFill>
+              <a:srgbClr val="FF0000"/>
+            </a:solidFill>
+          </a:ln>
+        </p:spPr>
+        <p:style>
+          <a:lnRef idx="1">
+            <a:schemeClr val="accent1"/>
+          </a:lnRef>
+          <a:fillRef idx="0">
+            <a:schemeClr val="accent1"/>
+          </a:fillRef>
+          <a:effectRef idx="0">
+            <a:schemeClr val="accent1"/>
+          </a:effectRef>
+          <a:fontRef idx="minor">
+            <a:schemeClr val="tx1"/>
+          </a:fontRef>
+        </p:style>
+      </p:cxnSp>
+      <mc:AlternateContent xmlns:mc="http://schemas.openxmlformats.org/markup-compatibility/2006">
+        <mc:Choice xmlns:a14="http://schemas.microsoft.com/office/drawing/2010/main" Requires="a14">
+          <p:sp>
+            <p:nvSpPr>
+              <p:cNvPr id="21" name="ZoneTexte 20"/>
+              <p:cNvSpPr txBox="1"/>
+              <p:nvPr/>
+            </p:nvSpPr>
+            <p:spPr>
+              <a:xfrm>
+                <a:off x="1399460" y="4213035"/>
+                <a:ext cx="715260" cy="276999"/>
+              </a:xfrm>
+              <a:prstGeom prst="rect">
+                <a:avLst/>
+              </a:prstGeom>
+              <a:noFill/>
+            </p:spPr>
+            <p:txBody>
+              <a:bodyPr wrap="none" rtlCol="0">
+                <a:spAutoFit/>
+              </a:bodyPr>
+              <a:lstStyle/>
+              <a:p>
+                <a:pPr/>
+                <a14:m>
+                  <m:oMathPara xmlns:m="http://schemas.openxmlformats.org/officeDocument/2006/math">
+                    <m:oMathParaPr>
+                      <m:jc m:val="centerGroup"/>
+                    </m:oMathParaPr>
+                    <m:oMath xmlns:m="http://schemas.openxmlformats.org/officeDocument/2006/math">
+                      <m:r>
+                        <a:rPr lang="fr-FR" sz="1200" b="1" i="1" smtClean="0">
+                          <a:latin typeface="Cambria Math"/>
+                        </a:rPr>
+                        <m:t>−</m:t>
+                      </m:r>
+                      <m:r>
+                        <a:rPr lang="fr-FR" sz="1200" b="1" i="0" smtClean="0">
+                          <a:latin typeface="Cambria Math"/>
+                        </a:rPr>
+                        <m:t>𝟗𝟐</m:t>
+                      </m:r>
+                      <m:r>
+                        <a:rPr lang="fr-FR" sz="1200" b="1" i="0" smtClean="0">
+                          <a:latin typeface="Cambria Math"/>
+                        </a:rPr>
+                        <m:t>𝐝𝐁</m:t>
+                      </m:r>
+                    </m:oMath>
+                  </m:oMathPara>
+                </a14:m>
+                <a:endParaRPr lang="fr-FR" sz="1200" b="1" dirty="0"/>
+              </a:p>
+            </p:txBody>
+          </p:sp>
+        </mc:Choice>
+        <mc:Fallback>
+          <p:sp>
+            <p:nvSpPr>
+              <p:cNvPr id="21" name="ZoneTexte 20"/>
+              <p:cNvSpPr txBox="1">
+                <a:spLocks noRot="1" noChangeAspect="1" noMove="1" noResize="1" noEditPoints="1" noAdjustHandles="1" noChangeArrowheads="1" noChangeShapeType="1" noTextEdit="1"/>
+              </p:cNvSpPr>
+              <p:nvPr/>
+            </p:nvSpPr>
+            <p:spPr>
+              <a:xfrm>
+                <a:off x="1399460" y="4213035"/>
+                <a:ext cx="715260" cy="276999"/>
+              </a:xfrm>
+              <a:prstGeom prst="rect">
+                <a:avLst/>
+              </a:prstGeom>
+              <a:blipFill rotWithShape="1">
+                <a:blip r:embed="rId8"/>
+                <a:stretch>
+                  <a:fillRect/>
+                </a:stretch>
+              </a:blipFill>
+            </p:spPr>
+            <p:txBody>
+              <a:bodyPr/>
+              <a:lstStyle/>
+              <a:p>
+                <a:r>
+                  <a:rPr lang="fr-FR">
+                    <a:noFill/>
+                  </a:rPr>
+                  <a:t> </a:t>
+                </a:r>
+              </a:p>
+            </p:txBody>
+          </p:sp>
+        </mc:Fallback>
+      </mc:AlternateContent>
+    </p:spTree>
+    <p:extLst>
+      <p:ext uri="{BB962C8B-B14F-4D97-AF65-F5344CB8AC3E}">
+        <p14:creationId xmlns:p14="http://schemas.microsoft.com/office/powerpoint/2010/main" val="1757735221"/>
+      </p:ext>
+    </p:extLst>
+  </p:cSld>
+  <p:clrMapOvr>
+    <a:masterClrMapping/>
+  </p:clrMapOvr>
+</p:sld>
+</file>
+
 <file path=ppt/slides/slide2.xml><?xml version="1.0" encoding="utf-8"?>
 <p:sld xmlns:a="http://schemas.openxmlformats.org/drawingml/2006/main" xmlns:r="http://schemas.openxmlformats.org/officeDocument/2006/relationships" xmlns:p="http://schemas.openxmlformats.org/presentationml/2006/main">
   <p:cSld>
@@ -15231,7 +16304,7 @@
           <p:cNvPr id="4" name="Image 3">
             <a:extLst>
               <a:ext uri="{FF2B5EF4-FFF2-40B4-BE49-F238E27FC236}">
-                <a16:creationId xmlns:a16="http://schemas.microsoft.com/office/drawing/2014/main" id="{A31D6099-EC78-46F9-B7BC-387B89CC15B5}"/>
+                <a16:creationId xmlns="" xmlns:a16="http://schemas.microsoft.com/office/drawing/2014/main" id="{A31D6099-EC78-46F9-B7BC-387B89CC15B5}"/>
               </a:ext>
             </a:extLst>
           </p:cNvPr>
@@ -15267,7 +16340,7 @@
           <p:cNvPr id="6" name="Connecteur droit 5">
             <a:extLst>
               <a:ext uri="{FF2B5EF4-FFF2-40B4-BE49-F238E27FC236}">
-                <a16:creationId xmlns:a16="http://schemas.microsoft.com/office/drawing/2014/main" id="{7C3D9108-B5C7-415F-AE74-486662B84184}"/>
+                <a16:creationId xmlns="" xmlns:a16="http://schemas.microsoft.com/office/drawing/2014/main" id="{7C3D9108-B5C7-415F-AE74-486662B84184}"/>
               </a:ext>
             </a:extLst>
           </p:cNvPr>
@@ -15310,7 +16383,7 @@
           <p:cNvPr id="7" name="Connecteur droit 6">
             <a:extLst>
               <a:ext uri="{FF2B5EF4-FFF2-40B4-BE49-F238E27FC236}">
-                <a16:creationId xmlns:a16="http://schemas.microsoft.com/office/drawing/2014/main" id="{8CA554E7-8694-4E1B-B612-1BD34C439311}"/>
+                <a16:creationId xmlns="" xmlns:a16="http://schemas.microsoft.com/office/drawing/2014/main" id="{8CA554E7-8694-4E1B-B612-1BD34C439311}"/>
               </a:ext>
             </a:extLst>
           </p:cNvPr>
@@ -15353,7 +16426,7 @@
           <p:cNvPr id="11" name="Connecteur droit 10">
             <a:extLst>
               <a:ext uri="{FF2B5EF4-FFF2-40B4-BE49-F238E27FC236}">
-                <a16:creationId xmlns:a16="http://schemas.microsoft.com/office/drawing/2014/main" id="{0AAD3F2E-1447-40AD-8D35-F3B641CCDB0A}"/>
+                <a16:creationId xmlns="" xmlns:a16="http://schemas.microsoft.com/office/drawing/2014/main" id="{0AAD3F2E-1447-40AD-8D35-F3B641CCDB0A}"/>
               </a:ext>
             </a:extLst>
           </p:cNvPr>
@@ -15396,7 +16469,7 @@
           <p:cNvPr id="14" name="Connecteur droit 13">
             <a:extLst>
               <a:ext uri="{FF2B5EF4-FFF2-40B4-BE49-F238E27FC236}">
-                <a16:creationId xmlns:a16="http://schemas.microsoft.com/office/drawing/2014/main" id="{3B2CE15C-057E-4D37-9D2E-3C2136E7A61A}"/>
+                <a16:creationId xmlns="" xmlns:a16="http://schemas.microsoft.com/office/drawing/2014/main" id="{3B2CE15C-057E-4D37-9D2E-3C2136E7A61A}"/>
               </a:ext>
             </a:extLst>
           </p:cNvPr>
@@ -15439,7 +16512,7 @@
           <p:cNvPr id="17" name="Connecteur droit 16">
             <a:extLst>
               <a:ext uri="{FF2B5EF4-FFF2-40B4-BE49-F238E27FC236}">
-                <a16:creationId xmlns:a16="http://schemas.microsoft.com/office/drawing/2014/main" id="{0F82A965-B5A9-4E2B-BD82-7A60649B4493}"/>
+                <a16:creationId xmlns="" xmlns:a16="http://schemas.microsoft.com/office/drawing/2014/main" id="{0F82A965-B5A9-4E2B-BD82-7A60649B4493}"/>
               </a:ext>
             </a:extLst>
           </p:cNvPr>
@@ -15482,7 +16555,7 @@
           <p:cNvPr id="19" name="Connecteur droit 18">
             <a:extLst>
               <a:ext uri="{FF2B5EF4-FFF2-40B4-BE49-F238E27FC236}">
-                <a16:creationId xmlns:a16="http://schemas.microsoft.com/office/drawing/2014/main" id="{0C93DD5D-B5D7-40D4-81BA-74318D92158F}"/>
+                <a16:creationId xmlns="" xmlns:a16="http://schemas.microsoft.com/office/drawing/2014/main" id="{0C93DD5D-B5D7-40D4-81BA-74318D92158F}"/>
               </a:ext>
             </a:extLst>
           </p:cNvPr>
@@ -15525,7 +16598,7 @@
           <p:cNvPr id="21" name="ZoneTexte 20">
             <a:extLst>
               <a:ext uri="{FF2B5EF4-FFF2-40B4-BE49-F238E27FC236}">
-                <a16:creationId xmlns:a16="http://schemas.microsoft.com/office/drawing/2014/main" id="{326FE08E-A30E-4AB9-BB9C-AE4C1722D1B1}"/>
+                <a16:creationId xmlns="" xmlns:a16="http://schemas.microsoft.com/office/drawing/2014/main" id="{326FE08E-A30E-4AB9-BB9C-AE4C1722D1B1}"/>
               </a:ext>
             </a:extLst>
           </p:cNvPr>
@@ -15560,7 +16633,7 @@
           <p:cNvPr id="22" name="ZoneTexte 21">
             <a:extLst>
               <a:ext uri="{FF2B5EF4-FFF2-40B4-BE49-F238E27FC236}">
-                <a16:creationId xmlns:a16="http://schemas.microsoft.com/office/drawing/2014/main" id="{601DB0EE-B1BF-49A7-AA11-97219211652D}"/>
+                <a16:creationId xmlns="" xmlns:a16="http://schemas.microsoft.com/office/drawing/2014/main" id="{601DB0EE-B1BF-49A7-AA11-97219211652D}"/>
               </a:ext>
             </a:extLst>
           </p:cNvPr>
@@ -15595,7 +16668,7 @@
           <p:cNvPr id="23" name="ZoneTexte 22">
             <a:extLst>
               <a:ext uri="{FF2B5EF4-FFF2-40B4-BE49-F238E27FC236}">
-                <a16:creationId xmlns:a16="http://schemas.microsoft.com/office/drawing/2014/main" id="{571EEDF2-EF67-4150-A0CD-CA6FF7800F33}"/>
+                <a16:creationId xmlns="" xmlns:a16="http://schemas.microsoft.com/office/drawing/2014/main" id="{571EEDF2-EF67-4150-A0CD-CA6FF7800F33}"/>
               </a:ext>
             </a:extLst>
           </p:cNvPr>
@@ -15630,7 +16703,7 @@
           <p:cNvPr id="24" name="ZoneTexte 23">
             <a:extLst>
               <a:ext uri="{FF2B5EF4-FFF2-40B4-BE49-F238E27FC236}">
-                <a16:creationId xmlns:a16="http://schemas.microsoft.com/office/drawing/2014/main" id="{47D0EEC5-80E0-4D56-AFE2-D8FE4EE17EF7}"/>
+                <a16:creationId xmlns="" xmlns:a16="http://schemas.microsoft.com/office/drawing/2014/main" id="{47D0EEC5-80E0-4D56-AFE2-D8FE4EE17EF7}"/>
               </a:ext>
             </a:extLst>
           </p:cNvPr>
@@ -15665,7 +16738,7 @@
           <p:cNvPr id="25" name="Connecteur droit 24">
             <a:extLst>
               <a:ext uri="{FF2B5EF4-FFF2-40B4-BE49-F238E27FC236}">
-                <a16:creationId xmlns:a16="http://schemas.microsoft.com/office/drawing/2014/main" id="{312FA9E2-5B2B-47B4-BB14-7B5DE42E1533}"/>
+                <a16:creationId xmlns="" xmlns:a16="http://schemas.microsoft.com/office/drawing/2014/main" id="{312FA9E2-5B2B-47B4-BB14-7B5DE42E1533}"/>
               </a:ext>
             </a:extLst>
           </p:cNvPr>
@@ -15708,7 +16781,7 @@
           <p:cNvPr id="32" name="Connecteur droit 31">
             <a:extLst>
               <a:ext uri="{FF2B5EF4-FFF2-40B4-BE49-F238E27FC236}">
-                <a16:creationId xmlns:a16="http://schemas.microsoft.com/office/drawing/2014/main" id="{E0506724-D3FB-4EA7-941A-E1E04559BA62}"/>
+                <a16:creationId xmlns="" xmlns:a16="http://schemas.microsoft.com/office/drawing/2014/main" id="{E0506724-D3FB-4EA7-941A-E1E04559BA62}"/>
               </a:ext>
             </a:extLst>
           </p:cNvPr>
@@ -15751,7 +16824,7 @@
           <p:cNvPr id="37" name="ZoneTexte 36">
             <a:extLst>
               <a:ext uri="{FF2B5EF4-FFF2-40B4-BE49-F238E27FC236}">
-                <a16:creationId xmlns:a16="http://schemas.microsoft.com/office/drawing/2014/main" id="{F58A05B0-0D9A-40ED-B968-B0B3CF1BEA78}"/>
+                <a16:creationId xmlns="" xmlns:a16="http://schemas.microsoft.com/office/drawing/2014/main" id="{F58A05B0-0D9A-40ED-B968-B0B3CF1BEA78}"/>
               </a:ext>
             </a:extLst>
           </p:cNvPr>
@@ -15786,7 +16859,7 @@
           <p:cNvPr id="38" name="ZoneTexte 37">
             <a:extLst>
               <a:ext uri="{FF2B5EF4-FFF2-40B4-BE49-F238E27FC236}">
-                <a16:creationId xmlns:a16="http://schemas.microsoft.com/office/drawing/2014/main" id="{7FB19FC2-FAC8-42A7-BD28-792CF57EB77C}"/>
+                <a16:creationId xmlns="" xmlns:a16="http://schemas.microsoft.com/office/drawing/2014/main" id="{7FB19FC2-FAC8-42A7-BD28-792CF57EB77C}"/>
               </a:ext>
             </a:extLst>
           </p:cNvPr>
@@ -16179,21 +17252,21 @@
                     <a:gridCol w="624069">
                       <a:extLst>
                         <a:ext uri="{9D8B030D-6E8A-4147-A177-3AD203B41FA5}">
-                          <a16:colId xmlns:a16="http://schemas.microsoft.com/office/drawing/2014/main" val="20000"/>
+                          <a16:colId xmlns="" xmlns:a16="http://schemas.microsoft.com/office/drawing/2014/main" val="20000"/>
                         </a:ext>
                       </a:extLst>
                     </a:gridCol>
                     <a:gridCol w="624069">
                       <a:extLst>
                         <a:ext uri="{9D8B030D-6E8A-4147-A177-3AD203B41FA5}">
-                          <a16:colId xmlns:a16="http://schemas.microsoft.com/office/drawing/2014/main" val="20001"/>
+                          <a16:colId xmlns="" xmlns:a16="http://schemas.microsoft.com/office/drawing/2014/main" val="20001"/>
                         </a:ext>
                       </a:extLst>
                     </a:gridCol>
                     <a:gridCol w="624069">
                       <a:extLst>
                         <a:ext uri="{9D8B030D-6E8A-4147-A177-3AD203B41FA5}">
-                          <a16:colId xmlns:a16="http://schemas.microsoft.com/office/drawing/2014/main" val="20002"/>
+                          <a16:colId xmlns="" xmlns:a16="http://schemas.microsoft.com/office/drawing/2014/main" val="20002"/>
                         </a:ext>
                       </a:extLst>
                     </a:gridCol>
@@ -16369,7 +17442,7 @@
                     </a:tc>
                     <a:extLst>
                       <a:ext uri="{0D108BD9-81ED-4DB2-BD59-A6C34878D82A}">
-                        <a16:rowId xmlns:a16="http://schemas.microsoft.com/office/drawing/2014/main" val="10000"/>
+                        <a16:rowId xmlns="" xmlns:a16="http://schemas.microsoft.com/office/drawing/2014/main" val="10000"/>
                       </a:ext>
                     </a:extLst>
                   </a:tr>
@@ -16393,7 +17466,7 @@
                                         <a:solidFill>
                                           <a:schemeClr val="tx1"/>
                                         </a:solidFill>
-                                        <a:latin typeface="Cambria Math" panose="02040503050406030204" pitchFamily="18" charset="0"/>
+                                        <a:latin typeface="Cambria Math"/>
                                       </a:rPr>
                                     </m:ctrlPr>
                                   </m:sSubPr>
@@ -16583,7 +17656,7 @@
                     </a:tc>
                     <a:extLst>
                       <a:ext uri="{0D108BD9-81ED-4DB2-BD59-A6C34878D82A}">
-                        <a16:rowId xmlns:a16="http://schemas.microsoft.com/office/drawing/2014/main" val="10001"/>
+                        <a16:rowId xmlns="" xmlns:a16="http://schemas.microsoft.com/office/drawing/2014/main" val="10001"/>
                       </a:ext>
                     </a:extLst>
                   </a:tr>
@@ -16607,7 +17680,7 @@
                                         <a:solidFill>
                                           <a:schemeClr val="tx1"/>
                                         </a:solidFill>
-                                        <a:latin typeface="Cambria Math" panose="02040503050406030204" pitchFamily="18" charset="0"/>
+                                        <a:latin typeface="Cambria Math"/>
                                       </a:rPr>
                                     </m:ctrlPr>
                                   </m:sSubPr>
@@ -16793,7 +17866,7 @@
                     </a:tc>
                     <a:extLst>
                       <a:ext uri="{0D108BD9-81ED-4DB2-BD59-A6C34878D82A}">
-                        <a16:rowId xmlns:a16="http://schemas.microsoft.com/office/drawing/2014/main" val="10002"/>
+                        <a16:rowId xmlns="" xmlns:a16="http://schemas.microsoft.com/office/drawing/2014/main" val="10002"/>
                       </a:ext>
                     </a:extLst>
                   </a:tr>
@@ -16817,7 +17890,7 @@
                                         <a:solidFill>
                                           <a:schemeClr val="tx1"/>
                                         </a:solidFill>
-                                        <a:latin typeface="Cambria Math" panose="02040503050406030204" pitchFamily="18" charset="0"/>
+                                        <a:latin typeface="Cambria Math"/>
                                       </a:rPr>
                                     </m:ctrlPr>
                                   </m:sSubPr>
@@ -17009,7 +18082,7 @@
                     </a:tc>
                     <a:extLst>
                       <a:ext uri="{0D108BD9-81ED-4DB2-BD59-A6C34878D82A}">
-                        <a16:rowId xmlns:a16="http://schemas.microsoft.com/office/drawing/2014/main" val="10003"/>
+                        <a16:rowId xmlns="" xmlns:a16="http://schemas.microsoft.com/office/drawing/2014/main" val="10003"/>
                       </a:ext>
                     </a:extLst>
                   </a:tr>
@@ -17736,21 +18809,21 @@
                     <a:gridCol w="624069">
                       <a:extLst>
                         <a:ext uri="{9D8B030D-6E8A-4147-A177-3AD203B41FA5}">
-                          <a16:colId xmlns:a16="http://schemas.microsoft.com/office/drawing/2014/main" val="20000"/>
+                          <a16:colId xmlns="" xmlns:a16="http://schemas.microsoft.com/office/drawing/2014/main" val="20000"/>
                         </a:ext>
                       </a:extLst>
                     </a:gridCol>
                     <a:gridCol w="624069">
                       <a:extLst>
                         <a:ext uri="{9D8B030D-6E8A-4147-A177-3AD203B41FA5}">
-                          <a16:colId xmlns:a16="http://schemas.microsoft.com/office/drawing/2014/main" val="20001"/>
+                          <a16:colId xmlns="" xmlns:a16="http://schemas.microsoft.com/office/drawing/2014/main" val="20001"/>
                         </a:ext>
                       </a:extLst>
                     </a:gridCol>
                     <a:gridCol w="624069">
                       <a:extLst>
                         <a:ext uri="{9D8B030D-6E8A-4147-A177-3AD203B41FA5}">
-                          <a16:colId xmlns:a16="http://schemas.microsoft.com/office/drawing/2014/main" val="20002"/>
+                          <a16:colId xmlns="" xmlns:a16="http://schemas.microsoft.com/office/drawing/2014/main" val="20002"/>
                         </a:ext>
                       </a:extLst>
                     </a:gridCol>
@@ -17926,7 +18999,7 @@
                     </a:tc>
                     <a:extLst>
                       <a:ext uri="{0D108BD9-81ED-4DB2-BD59-A6C34878D82A}">
-                        <a16:rowId xmlns:a16="http://schemas.microsoft.com/office/drawing/2014/main" val="10000"/>
+                        <a16:rowId xmlns="" xmlns:a16="http://schemas.microsoft.com/office/drawing/2014/main" val="10000"/>
                       </a:ext>
                     </a:extLst>
                   </a:tr>
@@ -17950,7 +19023,7 @@
                                         <a:solidFill>
                                           <a:schemeClr val="tx1"/>
                                         </a:solidFill>
-                                        <a:latin typeface="Cambria Math" panose="02040503050406030204" pitchFamily="18" charset="0"/>
+                                        <a:latin typeface="Cambria Math"/>
                                       </a:rPr>
                                     </m:ctrlPr>
                                   </m:sSubPr>
@@ -18140,7 +19213,7 @@
                     </a:tc>
                     <a:extLst>
                       <a:ext uri="{0D108BD9-81ED-4DB2-BD59-A6C34878D82A}">
-                        <a16:rowId xmlns:a16="http://schemas.microsoft.com/office/drawing/2014/main" val="10001"/>
+                        <a16:rowId xmlns="" xmlns:a16="http://schemas.microsoft.com/office/drawing/2014/main" val="10001"/>
                       </a:ext>
                     </a:extLst>
                   </a:tr>
@@ -18164,7 +19237,7 @@
                                         <a:solidFill>
                                           <a:schemeClr val="tx1"/>
                                         </a:solidFill>
-                                        <a:latin typeface="Cambria Math" panose="02040503050406030204" pitchFamily="18" charset="0"/>
+                                        <a:latin typeface="Cambria Math"/>
                                       </a:rPr>
                                     </m:ctrlPr>
                                   </m:sSubPr>
@@ -18350,7 +19423,7 @@
                     </a:tc>
                     <a:extLst>
                       <a:ext uri="{0D108BD9-81ED-4DB2-BD59-A6C34878D82A}">
-                        <a16:rowId xmlns:a16="http://schemas.microsoft.com/office/drawing/2014/main" val="10002"/>
+                        <a16:rowId xmlns="" xmlns:a16="http://schemas.microsoft.com/office/drawing/2014/main" val="10002"/>
                       </a:ext>
                     </a:extLst>
                   </a:tr>
@@ -18374,7 +19447,7 @@
                                         <a:solidFill>
                                           <a:schemeClr val="tx1"/>
                                         </a:solidFill>
-                                        <a:latin typeface="Cambria Math" panose="02040503050406030204" pitchFamily="18" charset="0"/>
+                                        <a:latin typeface="Cambria Math"/>
                                       </a:rPr>
                                     </m:ctrlPr>
                                   </m:sSubPr>
@@ -18566,7 +19639,7 @@
                     </a:tc>
                     <a:extLst>
                       <a:ext uri="{0D108BD9-81ED-4DB2-BD59-A6C34878D82A}">
-                        <a16:rowId xmlns:a16="http://schemas.microsoft.com/office/drawing/2014/main" val="10003"/>
+                        <a16:rowId xmlns="" xmlns:a16="http://schemas.microsoft.com/office/drawing/2014/main" val="10003"/>
                       </a:ext>
                     </a:extLst>
                   </a:tr>
@@ -19843,21 +20916,21 @@
                     <a:gridCol w="624069">
                       <a:extLst>
                         <a:ext uri="{9D8B030D-6E8A-4147-A177-3AD203B41FA5}">
-                          <a16:colId xmlns:a16="http://schemas.microsoft.com/office/drawing/2014/main" val="20000"/>
+                          <a16:colId xmlns="" xmlns:a16="http://schemas.microsoft.com/office/drawing/2014/main" val="20000"/>
                         </a:ext>
                       </a:extLst>
                     </a:gridCol>
                     <a:gridCol w="624069">
                       <a:extLst>
                         <a:ext uri="{9D8B030D-6E8A-4147-A177-3AD203B41FA5}">
-                          <a16:colId xmlns:a16="http://schemas.microsoft.com/office/drawing/2014/main" val="20001"/>
+                          <a16:colId xmlns="" xmlns:a16="http://schemas.microsoft.com/office/drawing/2014/main" val="20001"/>
                         </a:ext>
                       </a:extLst>
                     </a:gridCol>
                     <a:gridCol w="624069">
                       <a:extLst>
                         <a:ext uri="{9D8B030D-6E8A-4147-A177-3AD203B41FA5}">
-                          <a16:colId xmlns:a16="http://schemas.microsoft.com/office/drawing/2014/main" val="20002"/>
+                          <a16:colId xmlns="" xmlns:a16="http://schemas.microsoft.com/office/drawing/2014/main" val="20002"/>
                         </a:ext>
                       </a:extLst>
                     </a:gridCol>
@@ -20033,7 +21106,7 @@
                     </a:tc>
                     <a:extLst>
                       <a:ext uri="{0D108BD9-81ED-4DB2-BD59-A6C34878D82A}">
-                        <a16:rowId xmlns:a16="http://schemas.microsoft.com/office/drawing/2014/main" val="10000"/>
+                        <a16:rowId xmlns="" xmlns:a16="http://schemas.microsoft.com/office/drawing/2014/main" val="10000"/>
                       </a:ext>
                     </a:extLst>
                   </a:tr>
@@ -20057,7 +21130,7 @@
                                         <a:solidFill>
                                           <a:schemeClr val="tx1"/>
                                         </a:solidFill>
-                                        <a:latin typeface="Cambria Math" panose="02040503050406030204" pitchFamily="18" charset="0"/>
+                                        <a:latin typeface="Cambria Math"/>
                                       </a:rPr>
                                     </m:ctrlPr>
                                   </m:sSubPr>
@@ -20247,7 +21320,7 @@
                     </a:tc>
                     <a:extLst>
                       <a:ext uri="{0D108BD9-81ED-4DB2-BD59-A6C34878D82A}">
-                        <a16:rowId xmlns:a16="http://schemas.microsoft.com/office/drawing/2014/main" val="10001"/>
+                        <a16:rowId xmlns="" xmlns:a16="http://schemas.microsoft.com/office/drawing/2014/main" val="10001"/>
                       </a:ext>
                     </a:extLst>
                   </a:tr>
@@ -20271,7 +21344,7 @@
                                         <a:solidFill>
                                           <a:schemeClr val="tx1"/>
                                         </a:solidFill>
-                                        <a:latin typeface="Cambria Math" panose="02040503050406030204" pitchFamily="18" charset="0"/>
+                                        <a:latin typeface="Cambria Math"/>
                                       </a:rPr>
                                     </m:ctrlPr>
                                   </m:sSubPr>
@@ -20457,7 +21530,7 @@
                     </a:tc>
                     <a:extLst>
                       <a:ext uri="{0D108BD9-81ED-4DB2-BD59-A6C34878D82A}">
-                        <a16:rowId xmlns:a16="http://schemas.microsoft.com/office/drawing/2014/main" val="10002"/>
+                        <a16:rowId xmlns="" xmlns:a16="http://schemas.microsoft.com/office/drawing/2014/main" val="10002"/>
                       </a:ext>
                     </a:extLst>
                   </a:tr>
@@ -20481,7 +21554,7 @@
                                         <a:solidFill>
                                           <a:schemeClr val="tx1"/>
                                         </a:solidFill>
-                                        <a:latin typeface="Cambria Math" panose="02040503050406030204" pitchFamily="18" charset="0"/>
+                                        <a:latin typeface="Cambria Math"/>
                                       </a:rPr>
                                     </m:ctrlPr>
                                   </m:sSubPr>
@@ -20673,7 +21746,7 @@
                     </a:tc>
                     <a:extLst>
                       <a:ext uri="{0D108BD9-81ED-4DB2-BD59-A6C34878D82A}">
-                        <a16:rowId xmlns:a16="http://schemas.microsoft.com/office/drawing/2014/main" val="10003"/>
+                        <a16:rowId xmlns="" xmlns:a16="http://schemas.microsoft.com/office/drawing/2014/main" val="10003"/>
                       </a:ext>
                     </a:extLst>
                   </a:tr>
@@ -21400,21 +22473,21 @@
                     <a:gridCol w="624069">
                       <a:extLst>
                         <a:ext uri="{9D8B030D-6E8A-4147-A177-3AD203B41FA5}">
-                          <a16:colId xmlns:a16="http://schemas.microsoft.com/office/drawing/2014/main" val="20000"/>
+                          <a16:colId xmlns="" xmlns:a16="http://schemas.microsoft.com/office/drawing/2014/main" val="20000"/>
                         </a:ext>
                       </a:extLst>
                     </a:gridCol>
                     <a:gridCol w="624069">
                       <a:extLst>
                         <a:ext uri="{9D8B030D-6E8A-4147-A177-3AD203B41FA5}">
-                          <a16:colId xmlns:a16="http://schemas.microsoft.com/office/drawing/2014/main" val="20001"/>
+                          <a16:colId xmlns="" xmlns:a16="http://schemas.microsoft.com/office/drawing/2014/main" val="20001"/>
                         </a:ext>
                       </a:extLst>
                     </a:gridCol>
                     <a:gridCol w="624069">
                       <a:extLst>
                         <a:ext uri="{9D8B030D-6E8A-4147-A177-3AD203B41FA5}">
-                          <a16:colId xmlns:a16="http://schemas.microsoft.com/office/drawing/2014/main" val="20002"/>
+                          <a16:colId xmlns="" xmlns:a16="http://schemas.microsoft.com/office/drawing/2014/main" val="20002"/>
                         </a:ext>
                       </a:extLst>
                     </a:gridCol>
@@ -21590,7 +22663,7 @@
                     </a:tc>
                     <a:extLst>
                       <a:ext uri="{0D108BD9-81ED-4DB2-BD59-A6C34878D82A}">
-                        <a16:rowId xmlns:a16="http://schemas.microsoft.com/office/drawing/2014/main" val="10000"/>
+                        <a16:rowId xmlns="" xmlns:a16="http://schemas.microsoft.com/office/drawing/2014/main" val="10000"/>
                       </a:ext>
                     </a:extLst>
                   </a:tr>
@@ -21614,7 +22687,7 @@
                                         <a:solidFill>
                                           <a:schemeClr val="tx1"/>
                                         </a:solidFill>
-                                        <a:latin typeface="Cambria Math" panose="02040503050406030204" pitchFamily="18" charset="0"/>
+                                        <a:latin typeface="Cambria Math"/>
                                       </a:rPr>
                                     </m:ctrlPr>
                                   </m:sSubPr>
@@ -21804,7 +22877,7 @@
                     </a:tc>
                     <a:extLst>
                       <a:ext uri="{0D108BD9-81ED-4DB2-BD59-A6C34878D82A}">
-                        <a16:rowId xmlns:a16="http://schemas.microsoft.com/office/drawing/2014/main" val="10001"/>
+                        <a16:rowId xmlns="" xmlns:a16="http://schemas.microsoft.com/office/drawing/2014/main" val="10001"/>
                       </a:ext>
                     </a:extLst>
                   </a:tr>
@@ -21828,7 +22901,7 @@
                                         <a:solidFill>
                                           <a:schemeClr val="tx1"/>
                                         </a:solidFill>
-                                        <a:latin typeface="Cambria Math" panose="02040503050406030204" pitchFamily="18" charset="0"/>
+                                        <a:latin typeface="Cambria Math"/>
                                       </a:rPr>
                                     </m:ctrlPr>
                                   </m:sSubPr>
@@ -22014,7 +23087,7 @@
                     </a:tc>
                     <a:extLst>
                       <a:ext uri="{0D108BD9-81ED-4DB2-BD59-A6C34878D82A}">
-                        <a16:rowId xmlns:a16="http://schemas.microsoft.com/office/drawing/2014/main" val="10002"/>
+                        <a16:rowId xmlns="" xmlns:a16="http://schemas.microsoft.com/office/drawing/2014/main" val="10002"/>
                       </a:ext>
                     </a:extLst>
                   </a:tr>
@@ -22038,7 +23111,7 @@
                                         <a:solidFill>
                                           <a:schemeClr val="tx1"/>
                                         </a:solidFill>
-                                        <a:latin typeface="Cambria Math" panose="02040503050406030204" pitchFamily="18" charset="0"/>
+                                        <a:latin typeface="Cambria Math"/>
                                       </a:rPr>
                                     </m:ctrlPr>
                                   </m:sSubPr>
@@ -22230,7 +23303,7 @@
                     </a:tc>
                     <a:extLst>
                       <a:ext uri="{0D108BD9-81ED-4DB2-BD59-A6C34878D82A}">
-                        <a16:rowId xmlns:a16="http://schemas.microsoft.com/office/drawing/2014/main" val="10003"/>
+                        <a16:rowId xmlns="" xmlns:a16="http://schemas.microsoft.com/office/drawing/2014/main" val="10003"/>
                       </a:ext>
                     </a:extLst>
                   </a:tr>
@@ -23104,11 +24177,11 @@
           <p:nvPr/>
         </p:nvPicPr>
         <p:blipFill rotWithShape="1">
-          <a:blip r:embed="rId2" cstate="print">
+          <a:blip r:embed="rId6" cstate="print">
             <a:extLst>
               <a:ext uri="{BEBA8EAE-BF5A-486C-A8C5-ECC9F3942E4B}">
                 <a14:imgProps xmlns:a14="http://schemas.microsoft.com/office/drawing/2010/main">
-                  <a14:imgLayer r:embed="rId4">
+                  <a14:imgLayer r:embed="rId7">
                     <a14:imgEffect>
                       <a14:backgroundRemoval t="62621" b="93663" l="4748" r="32047"/>
                     </a14:imgEffect>
@@ -23152,7 +24225,7 @@
           <p:nvPr/>
         </p:nvPicPr>
         <p:blipFill>
-          <a:blip r:embed="rId6">
+          <a:blip r:embed="rId8">
             <a:extLst>
               <a:ext uri="{28A0092B-C50C-407E-A947-70E740481C1C}">
                 <a14:useLocalDpi xmlns:a14="http://schemas.microsoft.com/office/drawing/2010/main" val="0"/>
@@ -23691,21 +24764,21 @@
                     <a:gridCol w="504056">
                       <a:extLst>
                         <a:ext uri="{9D8B030D-6E8A-4147-A177-3AD203B41FA5}">
-                          <a16:colId xmlns:a16="http://schemas.microsoft.com/office/drawing/2014/main" val="20000"/>
+                          <a16:colId xmlns="" xmlns:a16="http://schemas.microsoft.com/office/drawing/2014/main" val="20000"/>
                         </a:ext>
                       </a:extLst>
                     </a:gridCol>
                     <a:gridCol w="432048">
                       <a:extLst>
                         <a:ext uri="{9D8B030D-6E8A-4147-A177-3AD203B41FA5}">
-                          <a16:colId xmlns:a16="http://schemas.microsoft.com/office/drawing/2014/main" val="20001"/>
+                          <a16:colId xmlns="" xmlns:a16="http://schemas.microsoft.com/office/drawing/2014/main" val="20001"/>
                         </a:ext>
                       </a:extLst>
                     </a:gridCol>
                     <a:gridCol w="936103">
                       <a:extLst>
                         <a:ext uri="{9D8B030D-6E8A-4147-A177-3AD203B41FA5}">
-                          <a16:colId xmlns:a16="http://schemas.microsoft.com/office/drawing/2014/main" val="20002"/>
+                          <a16:colId xmlns="" xmlns:a16="http://schemas.microsoft.com/office/drawing/2014/main" val="20002"/>
                         </a:ext>
                       </a:extLst>
                     </a:gridCol>
@@ -23881,7 +24954,7 @@
                     </a:tc>
                     <a:extLst>
                       <a:ext uri="{0D108BD9-81ED-4DB2-BD59-A6C34878D82A}">
-                        <a16:rowId xmlns:a16="http://schemas.microsoft.com/office/drawing/2014/main" val="10000"/>
+                        <a16:rowId xmlns="" xmlns:a16="http://schemas.microsoft.com/office/drawing/2014/main" val="10000"/>
                       </a:ext>
                     </a:extLst>
                   </a:tr>
@@ -23905,7 +24978,7 @@
                                         <a:solidFill>
                                           <a:schemeClr val="tx1"/>
                                         </a:solidFill>
-                                        <a:latin typeface="Cambria Math" panose="02040503050406030204" pitchFamily="18" charset="0"/>
+                                        <a:latin typeface="Cambria Math"/>
                                       </a:rPr>
                                     </m:ctrlPr>
                                   </m:sSubPr>
@@ -24104,7 +25177,7 @@
                     </a:tc>
                     <a:extLst>
                       <a:ext uri="{0D108BD9-81ED-4DB2-BD59-A6C34878D82A}">
-                        <a16:rowId xmlns:a16="http://schemas.microsoft.com/office/drawing/2014/main" val="10001"/>
+                        <a16:rowId xmlns="" xmlns:a16="http://schemas.microsoft.com/office/drawing/2014/main" val="10001"/>
                       </a:ext>
                     </a:extLst>
                   </a:tr>
@@ -24128,7 +25201,7 @@
                                         <a:solidFill>
                                           <a:schemeClr val="tx1"/>
                                         </a:solidFill>
-                                        <a:latin typeface="Cambria Math" panose="02040503050406030204" pitchFamily="18" charset="0"/>
+                                        <a:latin typeface="Cambria Math"/>
                                       </a:rPr>
                                     </m:ctrlPr>
                                   </m:sSubPr>
@@ -24228,7 +25301,7 @@
                                   <m:fPr>
                                     <m:ctrlPr>
                                       <a:rPr lang="fr-FR" sz="1200" b="0" i="1" smtClean="0">
-                                        <a:latin typeface="Cambria Math" panose="02040503050406030204" pitchFamily="18" charset="0"/>
+                                        <a:latin typeface="Cambria Math"/>
                                       </a:rPr>
                                     </m:ctrlPr>
                                   </m:fPr>
@@ -24245,7 +25318,7 @@
                                       <m:sSubPr>
                                         <m:ctrlPr>
                                           <a:rPr lang="fr-FR" sz="1200" b="0" i="1" smtClean="0">
-                                            <a:latin typeface="Cambria Math" panose="02040503050406030204" pitchFamily="18" charset="0"/>
+                                            <a:latin typeface="Cambria Math"/>
                                           </a:rPr>
                                         </m:ctrlPr>
                                       </m:sSubPr>
@@ -24354,7 +25427,7 @@
                                 <m:sSubPr>
                                   <m:ctrlPr>
                                     <a:rPr lang="fr-FR" sz="1200" b="0" i="1" baseline="0" smtClean="0">
-                                      <a:latin typeface="Cambria Math" panose="02040503050406030204" pitchFamily="18" charset="0"/>
+                                      <a:latin typeface="Cambria Math"/>
                                       <a:sym typeface="Wingdings"/>
                                     </a:rPr>
                                   </m:ctrlPr>
@@ -24434,7 +25507,7 @@
                     </a:tc>
                     <a:extLst>
                       <a:ext uri="{0D108BD9-81ED-4DB2-BD59-A6C34878D82A}">
-                        <a16:rowId xmlns:a16="http://schemas.microsoft.com/office/drawing/2014/main" val="10002"/>
+                        <a16:rowId xmlns="" xmlns:a16="http://schemas.microsoft.com/office/drawing/2014/main" val="10002"/>
                       </a:ext>
                     </a:extLst>
                   </a:tr>
@@ -24458,7 +25531,7 @@
                                         <a:solidFill>
                                           <a:schemeClr val="tx1"/>
                                         </a:solidFill>
-                                        <a:latin typeface="Cambria Math" panose="02040503050406030204" pitchFamily="18" charset="0"/>
+                                        <a:latin typeface="Cambria Math"/>
                                       </a:rPr>
                                     </m:ctrlPr>
                                   </m:sSubPr>
@@ -24671,7 +25744,7 @@
                     </a:tc>
                     <a:extLst>
                       <a:ext uri="{0D108BD9-81ED-4DB2-BD59-A6C34878D82A}">
-                        <a16:rowId xmlns:a16="http://schemas.microsoft.com/office/drawing/2014/main" val="10003"/>
+                        <a16:rowId xmlns="" xmlns:a16="http://schemas.microsoft.com/office/drawing/2014/main" val="10003"/>
                       </a:ext>
                     </a:extLst>
                   </a:tr>
@@ -25505,7 +26578,7 @@
                               <a:solidFill>
                                 <a:sysClr val="windowText" lastClr="000000"/>
                               </a:solidFill>
-                              <a:latin typeface="Cambria Math" panose="02040503050406030204" pitchFamily="18" charset="0"/>
+                              <a:latin typeface="Cambria Math"/>
                             </a:rPr>
                           </m:ctrlPr>
                         </m:sSubPr>
@@ -25539,7 +26612,7 @@
                               <a:solidFill>
                                 <a:sysClr val="windowText" lastClr="000000"/>
                               </a:solidFill>
-                              <a:latin typeface="Cambria Math" panose="02040503050406030204" pitchFamily="18" charset="0"/>
+                              <a:latin typeface="Cambria Math"/>
                             </a:rPr>
                           </m:ctrlPr>
                         </m:dPr>
@@ -25571,7 +26644,7 @@
                               <a:solidFill>
                                 <a:sysClr val="windowText" lastClr="000000"/>
                               </a:solidFill>
-                              <a:latin typeface="Cambria Math" panose="02040503050406030204" pitchFamily="18" charset="0"/>
+                              <a:latin typeface="Cambria Math"/>
                             </a:rPr>
                           </m:ctrlPr>
                         </m:sSubPr>
@@ -25605,7 +26678,7 @@
                               <a:solidFill>
                                 <a:sysClr val="windowText" lastClr="000000"/>
                               </a:solidFill>
-                              <a:latin typeface="Cambria Math" panose="02040503050406030204" pitchFamily="18" charset="0"/>
+                              <a:latin typeface="Cambria Math"/>
                             </a:rPr>
                           </m:ctrlPr>
                         </m:dPr>
@@ -25617,7 +26690,7 @@
                                   <a:solidFill>
                                     <a:sysClr val="windowText" lastClr="000000"/>
                                   </a:solidFill>
-                                  <a:latin typeface="Cambria Math" panose="02040503050406030204" pitchFamily="18" charset="0"/>
+                                  <a:latin typeface="Cambria Math"/>
                                 </a:rPr>
                               </m:ctrlPr>
                             </m:fPr>
@@ -25778,21 +26851,21 @@
                     <a:gridCol w="504056">
                       <a:extLst>
                         <a:ext uri="{9D8B030D-6E8A-4147-A177-3AD203B41FA5}">
-                          <a16:colId xmlns:a16="http://schemas.microsoft.com/office/drawing/2014/main" val="20000"/>
+                          <a16:colId xmlns="" xmlns:a16="http://schemas.microsoft.com/office/drawing/2014/main" val="20000"/>
                         </a:ext>
                       </a:extLst>
                     </a:gridCol>
                     <a:gridCol w="432048">
                       <a:extLst>
                         <a:ext uri="{9D8B030D-6E8A-4147-A177-3AD203B41FA5}">
-                          <a16:colId xmlns:a16="http://schemas.microsoft.com/office/drawing/2014/main" val="20001"/>
+                          <a16:colId xmlns="" xmlns:a16="http://schemas.microsoft.com/office/drawing/2014/main" val="20001"/>
                         </a:ext>
                       </a:extLst>
                     </a:gridCol>
                     <a:gridCol w="936103">
                       <a:extLst>
                         <a:ext uri="{9D8B030D-6E8A-4147-A177-3AD203B41FA5}">
-                          <a16:colId xmlns:a16="http://schemas.microsoft.com/office/drawing/2014/main" val="20002"/>
+                          <a16:colId xmlns="" xmlns:a16="http://schemas.microsoft.com/office/drawing/2014/main" val="20002"/>
                         </a:ext>
                       </a:extLst>
                     </a:gridCol>
@@ -25968,7 +27041,7 @@
                     </a:tc>
                     <a:extLst>
                       <a:ext uri="{0D108BD9-81ED-4DB2-BD59-A6C34878D82A}">
-                        <a16:rowId xmlns:a16="http://schemas.microsoft.com/office/drawing/2014/main" val="10000"/>
+                        <a16:rowId xmlns="" xmlns:a16="http://schemas.microsoft.com/office/drawing/2014/main" val="10000"/>
                       </a:ext>
                     </a:extLst>
                   </a:tr>
@@ -25992,7 +27065,7 @@
                                         <a:solidFill>
                                           <a:schemeClr val="tx1"/>
                                         </a:solidFill>
-                                        <a:latin typeface="Cambria Math" panose="02040503050406030204" pitchFamily="18" charset="0"/>
+                                        <a:latin typeface="Cambria Math"/>
                                       </a:rPr>
                                     </m:ctrlPr>
                                   </m:sSubPr>
@@ -26191,7 +27264,7 @@
                     </a:tc>
                     <a:extLst>
                       <a:ext uri="{0D108BD9-81ED-4DB2-BD59-A6C34878D82A}">
-                        <a16:rowId xmlns:a16="http://schemas.microsoft.com/office/drawing/2014/main" val="10001"/>
+                        <a16:rowId xmlns="" xmlns:a16="http://schemas.microsoft.com/office/drawing/2014/main" val="10001"/>
                       </a:ext>
                     </a:extLst>
                   </a:tr>
@@ -26215,7 +27288,7 @@
                                         <a:solidFill>
                                           <a:schemeClr val="tx1"/>
                                         </a:solidFill>
-                                        <a:latin typeface="Cambria Math" panose="02040503050406030204" pitchFamily="18" charset="0"/>
+                                        <a:latin typeface="Cambria Math"/>
                                       </a:rPr>
                                     </m:ctrlPr>
                                   </m:sSubPr>
@@ -26438,7 +27511,7 @@
                     </a:tc>
                     <a:extLst>
                       <a:ext uri="{0D108BD9-81ED-4DB2-BD59-A6C34878D82A}">
-                        <a16:rowId xmlns:a16="http://schemas.microsoft.com/office/drawing/2014/main" val="10002"/>
+                        <a16:rowId xmlns="" xmlns:a16="http://schemas.microsoft.com/office/drawing/2014/main" val="10002"/>
                       </a:ext>
                     </a:extLst>
                   </a:tr>
@@ -26462,7 +27535,7 @@
                                         <a:solidFill>
                                           <a:schemeClr val="tx1"/>
                                         </a:solidFill>
-                                        <a:latin typeface="Cambria Math" panose="02040503050406030204" pitchFamily="18" charset="0"/>
+                                        <a:latin typeface="Cambria Math"/>
                                       </a:rPr>
                                     </m:ctrlPr>
                                   </m:sSubPr>
@@ -26654,7 +27727,7 @@
                                 <m:sSubPr>
                                   <m:ctrlPr>
                                     <a:rPr lang="fr-FR" sz="1200" b="0" i="1" baseline="0" smtClean="0">
-                                      <a:latin typeface="Cambria Math" panose="02040503050406030204" pitchFamily="18" charset="0"/>
+                                      <a:latin typeface="Cambria Math"/>
                                       <a:sym typeface="Wingdings"/>
                                     </a:rPr>
                                   </m:ctrlPr>
@@ -26719,7 +27792,7 @@
                                   <m:sSubPr>
                                     <m:ctrlPr>
                                       <a:rPr lang="fr-FR" sz="1200" b="0" i="1" baseline="0" smtClean="0">
-                                        <a:latin typeface="Cambria Math" panose="02040503050406030204" pitchFamily="18" charset="0"/>
+                                        <a:latin typeface="Cambria Math"/>
                                         <a:sym typeface="Wingdings"/>
                                       </a:rPr>
                                     </m:ctrlPr>
@@ -26802,7 +27875,7 @@
                     </a:tc>
                     <a:extLst>
                       <a:ext uri="{0D108BD9-81ED-4DB2-BD59-A6C34878D82A}">
-                        <a16:rowId xmlns:a16="http://schemas.microsoft.com/office/drawing/2014/main" val="10003"/>
+                        <a16:rowId xmlns="" xmlns:a16="http://schemas.microsoft.com/office/drawing/2014/main" val="10003"/>
                       </a:ext>
                     </a:extLst>
                   </a:tr>
@@ -29042,7 +30115,7 @@
                           <m:chr m:val="⃗"/>
                           <m:ctrlPr>
                             <a:rPr lang="fr-FR" sz="1000" b="0" i="1" smtClean="0">
-                              <a:latin typeface="Cambria Math" panose="02040503050406030204" pitchFamily="18" charset="0"/>
+                              <a:latin typeface="Cambria Math"/>
                             </a:rPr>
                           </m:ctrlPr>
                         </m:accPr>
@@ -29051,7 +30124,7 @@
                             <m:sSubPr>
                               <m:ctrlPr>
                                 <a:rPr lang="fr-FR" sz="1000" i="1">
-                                  <a:latin typeface="Cambria Math" panose="02040503050406030204" pitchFamily="18" charset="0"/>
+                                  <a:latin typeface="Cambria Math"/>
                                 </a:rPr>
                               </m:ctrlPr>
                             </m:sSubPr>
@@ -29211,7 +30284,7 @@
                           <m:chr m:val="⃗"/>
                           <m:ctrlPr>
                             <a:rPr lang="fr-FR" sz="1000" b="0" i="1" smtClean="0">
-                              <a:latin typeface="Cambria Math" panose="02040503050406030204" pitchFamily="18" charset="0"/>
+                              <a:latin typeface="Cambria Math"/>
                             </a:rPr>
                           </m:ctrlPr>
                         </m:accPr>
@@ -29220,7 +30293,7 @@
                             <m:sSubPr>
                               <m:ctrlPr>
                                 <a:rPr lang="fr-FR" sz="1000" i="1">
-                                  <a:latin typeface="Cambria Math" panose="02040503050406030204" pitchFamily="18" charset="0"/>
+                                  <a:latin typeface="Cambria Math"/>
                                 </a:rPr>
                               </m:ctrlPr>
                             </m:sSubPr>
@@ -29326,7 +30399,7 @@
                           <m:chr m:val="⃗"/>
                           <m:ctrlPr>
                             <a:rPr lang="fr-FR" sz="1000" b="0" i="1" smtClean="0">
-                              <a:latin typeface="Cambria Math" panose="02040503050406030204" pitchFamily="18" charset="0"/>
+                              <a:latin typeface="Cambria Math"/>
                             </a:rPr>
                           </m:ctrlPr>
                         </m:accPr>
@@ -29335,7 +30408,7 @@
                             <m:sSubPr>
                               <m:ctrlPr>
                                 <a:rPr lang="fr-FR" sz="1000" i="1">
-                                  <a:latin typeface="Cambria Math" panose="02040503050406030204" pitchFamily="18" charset="0"/>
+                                  <a:latin typeface="Cambria Math"/>
                                 </a:rPr>
                               </m:ctrlPr>
                             </m:sSubPr>
@@ -29369,7 +30442,7 @@
                           <m:chr m:val="⃗"/>
                           <m:ctrlPr>
                             <a:rPr lang="fr-FR" sz="1000" i="1">
-                              <a:latin typeface="Cambria Math" panose="02040503050406030204" pitchFamily="18" charset="0"/>
+                              <a:latin typeface="Cambria Math"/>
                             </a:rPr>
                           </m:ctrlPr>
                         </m:accPr>
@@ -29378,7 +30451,7 @@
                             <m:sSubPr>
                               <m:ctrlPr>
                                 <a:rPr lang="fr-FR" sz="1000" b="0" i="1" smtClean="0">
-                                  <a:latin typeface="Cambria Math" panose="02040503050406030204" pitchFamily="18" charset="0"/>
+                                  <a:latin typeface="Cambria Math"/>
                                 </a:rPr>
                               </m:ctrlPr>
                             </m:sSubPr>
@@ -29490,7 +30563,7 @@
                           <m:chr m:val="⃗"/>
                           <m:ctrlPr>
                             <a:rPr lang="fr-FR" sz="1000" b="0" i="1" smtClean="0">
-                              <a:latin typeface="Cambria Math" panose="02040503050406030204" pitchFamily="18" charset="0"/>
+                              <a:latin typeface="Cambria Math"/>
                             </a:rPr>
                           </m:ctrlPr>
                         </m:accPr>
@@ -29499,7 +30572,7 @@
                             <m:sSubPr>
                               <m:ctrlPr>
                                 <a:rPr lang="fr-FR" sz="1000" i="1">
-                                  <a:latin typeface="Cambria Math" panose="02040503050406030204" pitchFamily="18" charset="0"/>
+                                  <a:latin typeface="Cambria Math"/>
                                 </a:rPr>
                               </m:ctrlPr>
                             </m:sSubPr>
@@ -29611,7 +30684,7 @@
                           <m:chr m:val="⃗"/>
                           <m:ctrlPr>
                             <a:rPr lang="fr-FR" sz="1000" b="0" i="1" smtClean="0">
-                              <a:latin typeface="Cambria Math" panose="02040503050406030204" pitchFamily="18" charset="0"/>
+                              <a:latin typeface="Cambria Math"/>
                             </a:rPr>
                           </m:ctrlPr>
                         </m:accPr>
@@ -29620,7 +30693,7 @@
                             <m:sSubPr>
                               <m:ctrlPr>
                                 <a:rPr lang="fr-FR" sz="1000" i="1">
-                                  <a:latin typeface="Cambria Math" panose="02040503050406030204" pitchFamily="18" charset="0"/>
+                                  <a:latin typeface="Cambria Math"/>
                                 </a:rPr>
                               </m:ctrlPr>
                             </m:sSubPr>
@@ -29726,7 +30799,7 @@
                           <m:chr m:val="⃗"/>
                           <m:ctrlPr>
                             <a:rPr lang="fr-FR" sz="1000" b="0" i="1" smtClean="0">
-                              <a:latin typeface="Cambria Math" panose="02040503050406030204" pitchFamily="18" charset="0"/>
+                              <a:latin typeface="Cambria Math"/>
                             </a:rPr>
                           </m:ctrlPr>
                         </m:accPr>
@@ -29735,7 +30808,7 @@
                             <m:sSubPr>
                               <m:ctrlPr>
                                 <a:rPr lang="fr-FR" sz="1000" i="1">
-                                  <a:latin typeface="Cambria Math" panose="02040503050406030204" pitchFamily="18" charset="0"/>
+                                  <a:latin typeface="Cambria Math"/>
                                 </a:rPr>
                               </m:ctrlPr>
                             </m:sSubPr>
@@ -29841,7 +30914,7 @@
                           <m:chr m:val="⃗"/>
                           <m:ctrlPr>
                             <a:rPr lang="fr-FR" sz="1000" b="0" i="1" smtClean="0">
-                              <a:latin typeface="Cambria Math" panose="02040503050406030204" pitchFamily="18" charset="0"/>
+                              <a:latin typeface="Cambria Math"/>
                             </a:rPr>
                           </m:ctrlPr>
                         </m:accPr>
@@ -29850,7 +30923,7 @@
                             <m:sSubPr>
                               <m:ctrlPr>
                                 <a:rPr lang="fr-FR" sz="1000" i="1">
-                                  <a:latin typeface="Cambria Math" panose="02040503050406030204" pitchFamily="18" charset="0"/>
+                                  <a:latin typeface="Cambria Math"/>
                                 </a:rPr>
                               </m:ctrlPr>
                             </m:sSubPr>
@@ -29962,7 +31035,7 @@
                           <m:chr m:val="⃗"/>
                           <m:ctrlPr>
                             <a:rPr lang="fr-FR" sz="1000" b="0" i="1" smtClean="0">
-                              <a:latin typeface="Cambria Math" panose="02040503050406030204" pitchFamily="18" charset="0"/>
+                              <a:latin typeface="Cambria Math"/>
                             </a:rPr>
                           </m:ctrlPr>
                         </m:accPr>
@@ -29971,7 +31044,7 @@
                             <m:sSubPr>
                               <m:ctrlPr>
                                 <a:rPr lang="fr-FR" sz="1000" i="1">
-                                  <a:latin typeface="Cambria Math" panose="02040503050406030204" pitchFamily="18" charset="0"/>
+                                  <a:latin typeface="Cambria Math"/>
                                 </a:rPr>
                               </m:ctrlPr>
                             </m:sSubPr>
@@ -30077,7 +31150,7 @@
                           <m:chr m:val="⃗"/>
                           <m:ctrlPr>
                             <a:rPr lang="fr-FR" sz="1000" b="0" i="1" smtClean="0">
-                              <a:latin typeface="Cambria Math" panose="02040503050406030204" pitchFamily="18" charset="0"/>
+                              <a:latin typeface="Cambria Math"/>
                             </a:rPr>
                           </m:ctrlPr>
                         </m:accPr>
@@ -30086,7 +31159,7 @@
                             <m:sSubPr>
                               <m:ctrlPr>
                                 <a:rPr lang="fr-FR" sz="1000" i="1">
-                                  <a:latin typeface="Cambria Math" panose="02040503050406030204" pitchFamily="18" charset="0"/>
+                                  <a:latin typeface="Cambria Math"/>
                                 </a:rPr>
                               </m:ctrlPr>
                             </m:sSubPr>
@@ -30192,7 +31265,7 @@
                           <m:chr m:val="⃗"/>
                           <m:ctrlPr>
                             <a:rPr lang="fr-FR" sz="1000" b="0" i="1" smtClean="0">
-                              <a:latin typeface="Cambria Math" panose="02040503050406030204" pitchFamily="18" charset="0"/>
+                              <a:latin typeface="Cambria Math"/>
                             </a:rPr>
                           </m:ctrlPr>
                         </m:accPr>
@@ -30201,7 +31274,7 @@
                             <m:sSubPr>
                               <m:ctrlPr>
                                 <a:rPr lang="fr-FR" sz="1000" i="1">
-                                  <a:latin typeface="Cambria Math" panose="02040503050406030204" pitchFamily="18" charset="0"/>
+                                  <a:latin typeface="Cambria Math"/>
                                 </a:rPr>
                               </m:ctrlPr>
                             </m:sSubPr>
@@ -30306,7 +31379,7 @@
                         <m:sSubPr>
                           <m:ctrlPr>
                             <a:rPr lang="fr-FR" sz="1000" b="0" i="1" smtClean="0">
-                              <a:latin typeface="Cambria Math" panose="02040503050406030204" pitchFamily="18" charset="0"/>
+                              <a:latin typeface="Cambria Math"/>
                             </a:rPr>
                           </m:ctrlPr>
                         </m:sSubPr>
@@ -30409,7 +31482,7 @@
                         <m:sSubPr>
                           <m:ctrlPr>
                             <a:rPr lang="fr-FR" sz="1000" b="0" i="1" smtClean="0">
-                              <a:latin typeface="Cambria Math" panose="02040503050406030204" pitchFamily="18" charset="0"/>
+                              <a:latin typeface="Cambria Math"/>
                             </a:rPr>
                           </m:ctrlPr>
                         </m:sSubPr>
@@ -30512,7 +31585,7 @@
                         <m:sSubPr>
                           <m:ctrlPr>
                             <a:rPr lang="fr-FR" sz="1000" b="0" i="1" smtClean="0">
-                              <a:latin typeface="Cambria Math" panose="02040503050406030204" pitchFamily="18" charset="0"/>
+                              <a:latin typeface="Cambria Math"/>
                             </a:rPr>
                           </m:ctrlPr>
                         </m:sSubPr>
@@ -30662,7 +31735,7 @@
                         <m:sSubPr>
                           <m:ctrlPr>
                             <a:rPr lang="fr-FR" sz="1000" b="0" i="1" smtClean="0">
-                              <a:latin typeface="Cambria Math" panose="02040503050406030204" pitchFamily="18" charset="0"/>
+                              <a:latin typeface="Cambria Math"/>
                             </a:rPr>
                           </m:ctrlPr>
                         </m:sSubPr>
@@ -30766,7 +31839,7 @@
                           <m:chr m:val="⃗"/>
                           <m:ctrlPr>
                             <a:rPr lang="fr-FR" sz="1000" b="0" i="1" smtClean="0">
-                              <a:latin typeface="Cambria Math" panose="02040503050406030204" pitchFamily="18" charset="0"/>
+                              <a:latin typeface="Cambria Math"/>
                             </a:rPr>
                           </m:ctrlPr>
                         </m:accPr>
@@ -30775,7 +31848,7 @@
                             <m:sSubPr>
                               <m:ctrlPr>
                                 <a:rPr lang="fr-FR" sz="1000" i="1">
-                                  <a:latin typeface="Cambria Math" panose="02040503050406030204" pitchFamily="18" charset="0"/>
+                                  <a:latin typeface="Cambria Math"/>
                                 </a:rPr>
                               </m:ctrlPr>
                             </m:sSubPr>
@@ -30881,7 +31954,7 @@
                           <m:chr m:val="⃗"/>
                           <m:ctrlPr>
                             <a:rPr lang="fr-FR" sz="800" b="0" i="1" smtClean="0">
-                              <a:latin typeface="Cambria Math" panose="02040503050406030204" pitchFamily="18" charset="0"/>
+                              <a:latin typeface="Cambria Math"/>
                             </a:rPr>
                           </m:ctrlPr>
                         </m:accPr>
@@ -30890,7 +31963,7 @@
                             <m:sSubPr>
                               <m:ctrlPr>
                                 <a:rPr lang="fr-FR" sz="800" i="1">
-                                  <a:latin typeface="Cambria Math" panose="02040503050406030204" pitchFamily="18" charset="0"/>
+                                  <a:latin typeface="Cambria Math"/>
                                 </a:rPr>
                               </m:ctrlPr>
                             </m:sSubPr>
@@ -30924,7 +31997,7 @@
                           <m:chr m:val="⃗"/>
                           <m:ctrlPr>
                             <a:rPr lang="fr-FR" sz="800" i="1">
-                              <a:latin typeface="Cambria Math" panose="02040503050406030204" pitchFamily="18" charset="0"/>
+                              <a:latin typeface="Cambria Math"/>
                             </a:rPr>
                           </m:ctrlPr>
                         </m:accPr>
@@ -30933,7 +32006,7 @@
                             <m:sSubPr>
                               <m:ctrlPr>
                                 <a:rPr lang="fr-FR" sz="800" i="1">
-                                  <a:latin typeface="Cambria Math" panose="02040503050406030204" pitchFamily="18" charset="0"/>
+                                  <a:latin typeface="Cambria Math"/>
                                 </a:rPr>
                               </m:ctrlPr>
                             </m:sSubPr>
@@ -30967,7 +32040,7 @@
                           <m:chr m:val="⃗"/>
                           <m:ctrlPr>
                             <a:rPr lang="fr-FR" sz="800" i="1">
-                              <a:latin typeface="Cambria Math" panose="02040503050406030204" pitchFamily="18" charset="0"/>
+                              <a:latin typeface="Cambria Math"/>
                             </a:rPr>
                           </m:ctrlPr>
                         </m:accPr>
@@ -30976,7 +32049,7 @@
                             <m:sSubPr>
                               <m:ctrlPr>
                                 <a:rPr lang="fr-FR" sz="800" i="1">
-                                  <a:latin typeface="Cambria Math" panose="02040503050406030204" pitchFamily="18" charset="0"/>
+                                  <a:latin typeface="Cambria Math"/>
                                 </a:rPr>
                               </m:ctrlPr>
                             </m:sSubPr>
@@ -31081,7 +32154,7 @@
                         <m:sSupPr>
                           <m:ctrlPr>
                             <a:rPr lang="fr-FR" sz="1000" b="0" i="1" smtClean="0">
-                              <a:latin typeface="Cambria Math" panose="02040503050406030204" pitchFamily="18" charset="0"/>
+                              <a:latin typeface="Cambria Math"/>
                             </a:rPr>
                           </m:ctrlPr>
                         </m:sSupPr>
@@ -31091,7 +32164,7 @@
                               <m:chr m:val="⃗"/>
                               <m:ctrlPr>
                                 <a:rPr lang="fr-FR" sz="1000" b="0" i="1" smtClean="0">
-                                  <a:latin typeface="Cambria Math" panose="02040503050406030204" pitchFamily="18" charset="0"/>
+                                  <a:latin typeface="Cambria Math"/>
                                 </a:rPr>
                               </m:ctrlPr>
                             </m:accPr>
@@ -31100,7 +32173,7 @@
                                 <m:sSubPr>
                                   <m:ctrlPr>
                                     <a:rPr lang="fr-FR" sz="1000" i="1">
-                                      <a:latin typeface="Cambria Math" panose="02040503050406030204" pitchFamily="18" charset="0"/>
+                                      <a:latin typeface="Cambria Math"/>
                                     </a:rPr>
                                   </m:ctrlPr>
                                 </m:sSubPr>
@@ -31144,7 +32217,7 @@
                           <m:chr m:val="⃗"/>
                           <m:ctrlPr>
                             <a:rPr lang="fr-FR" sz="1000" i="1">
-                              <a:latin typeface="Cambria Math" panose="02040503050406030204" pitchFamily="18" charset="0"/>
+                              <a:latin typeface="Cambria Math"/>
                             </a:rPr>
                           </m:ctrlPr>
                         </m:accPr>
@@ -31153,7 +32226,7 @@
                             <m:sSubPr>
                               <m:ctrlPr>
                                 <a:rPr lang="fr-FR" sz="1000" i="1">
-                                  <a:latin typeface="Cambria Math" panose="02040503050406030204" pitchFamily="18" charset="0"/>
+                                  <a:latin typeface="Cambria Math"/>
                                 </a:rPr>
                               </m:ctrlPr>
                             </m:sSubPr>
@@ -31258,7 +32331,7 @@
                         <m:sSupPr>
                           <m:ctrlPr>
                             <a:rPr lang="fr-FR" sz="1000" b="0" i="1" smtClean="0">
-                              <a:latin typeface="Cambria Math" panose="02040503050406030204" pitchFamily="18" charset="0"/>
+                              <a:latin typeface="Cambria Math"/>
                             </a:rPr>
                           </m:ctrlPr>
                         </m:sSupPr>
@@ -31268,7 +32341,7 @@
                               <m:chr m:val="⃗"/>
                               <m:ctrlPr>
                                 <a:rPr lang="fr-FR" sz="1000" b="0" i="1" smtClean="0">
-                                  <a:latin typeface="Cambria Math" panose="02040503050406030204" pitchFamily="18" charset="0"/>
+                                  <a:latin typeface="Cambria Math"/>
                                 </a:rPr>
                               </m:ctrlPr>
                             </m:accPr>
@@ -31277,7 +32350,7 @@
                                 <m:sSubPr>
                                   <m:ctrlPr>
                                     <a:rPr lang="fr-FR" sz="1000" i="1">
-                                      <a:latin typeface="Cambria Math" panose="02040503050406030204" pitchFamily="18" charset="0"/>
+                                      <a:latin typeface="Cambria Math"/>
                                     </a:rPr>
                                   </m:ctrlPr>
                                 </m:sSubPr>
@@ -31321,7 +32394,7 @@
                           <m:chr m:val="⃗"/>
                           <m:ctrlPr>
                             <a:rPr lang="fr-FR" sz="1000" i="1">
-                              <a:latin typeface="Cambria Math" panose="02040503050406030204" pitchFamily="18" charset="0"/>
+                              <a:latin typeface="Cambria Math"/>
                             </a:rPr>
                           </m:ctrlPr>
                         </m:accPr>
@@ -31330,7 +32403,7 @@
                             <m:sSubPr>
                               <m:ctrlPr>
                                 <a:rPr lang="fr-FR" sz="1000" i="1">
-                                  <a:latin typeface="Cambria Math" panose="02040503050406030204" pitchFamily="18" charset="0"/>
+                                  <a:latin typeface="Cambria Math"/>
                                 </a:rPr>
                               </m:ctrlPr>
                             </m:sSubPr>
@@ -31436,7 +32509,7 @@
                           <m:chr m:val="⃗"/>
                           <m:ctrlPr>
                             <a:rPr lang="fr-FR" sz="1000" b="0" i="1" smtClean="0">
-                              <a:latin typeface="Cambria Math" panose="02040503050406030204" pitchFamily="18" charset="0"/>
+                              <a:latin typeface="Cambria Math"/>
                             </a:rPr>
                           </m:ctrlPr>
                         </m:accPr>
@@ -31445,7 +32518,7 @@
                             <m:sSubPr>
                               <m:ctrlPr>
                                 <a:rPr lang="fr-FR" sz="1000" i="1">
-                                  <a:latin typeface="Cambria Math" panose="02040503050406030204" pitchFamily="18" charset="0"/>
+                                  <a:latin typeface="Cambria Math"/>
                                 </a:rPr>
                               </m:ctrlPr>
                             </m:sSubPr>
@@ -31551,7 +32624,7 @@
                           <m:chr m:val="⃗"/>
                           <m:ctrlPr>
                             <a:rPr lang="fr-FR" sz="1000" b="0" i="1" smtClean="0">
-                              <a:latin typeface="Cambria Math" panose="02040503050406030204" pitchFamily="18" charset="0"/>
+                              <a:latin typeface="Cambria Math"/>
                             </a:rPr>
                           </m:ctrlPr>
                         </m:accPr>
@@ -31560,7 +32633,7 @@
                             <m:sSubPr>
                               <m:ctrlPr>
                                 <a:rPr lang="fr-FR" sz="1000" i="1">
-                                  <a:latin typeface="Cambria Math" panose="02040503050406030204" pitchFamily="18" charset="0"/>
+                                  <a:latin typeface="Cambria Math"/>
                                 </a:rPr>
                               </m:ctrlPr>
                             </m:sSubPr>
@@ -31666,7 +32739,7 @@
                           <m:chr m:val="⃗"/>
                           <m:ctrlPr>
                             <a:rPr lang="fr-FR" sz="1000" b="0" i="1" smtClean="0">
-                              <a:latin typeface="Cambria Math" panose="02040503050406030204" pitchFamily="18" charset="0"/>
+                              <a:latin typeface="Cambria Math"/>
                             </a:rPr>
                           </m:ctrlPr>
                         </m:accPr>
@@ -31675,7 +32748,7 @@
                             <m:sSubPr>
                               <m:ctrlPr>
                                 <a:rPr lang="fr-FR" sz="1000" i="1">
-                                  <a:latin typeface="Cambria Math" panose="02040503050406030204" pitchFamily="18" charset="0"/>
+                                  <a:latin typeface="Cambria Math"/>
                                 </a:rPr>
                               </m:ctrlPr>
                             </m:sSubPr>
@@ -32979,7 +34052,7 @@
                             <a:solidFill>
                               <a:schemeClr val="tx1"/>
                             </a:solidFill>
-                            <a:latin typeface="Cambria Math" panose="02040503050406030204" pitchFamily="18" charset="0"/>
+                            <a:latin typeface="Cambria Math"/>
                           </a:rPr>
                         </m:ctrlPr>
                       </m:sSubPr>
@@ -33034,7 +34107,7 @@
                             <a:solidFill>
                               <a:schemeClr val="tx1"/>
                             </a:solidFill>
-                            <a:latin typeface="Cambria Math" panose="02040503050406030204" pitchFamily="18" charset="0"/>
+                            <a:latin typeface="Cambria Math"/>
                           </a:rPr>
                         </m:ctrlPr>
                       </m:sSubPr>
